--- a/08-Feb10/Hanoi.pptx
+++ b/08-Feb10/Hanoi.pptx
@@ -6,21 +6,25 @@
   </p:sldMasterIdLst>
   <p:sldIdLst>
     <p:sldId id="256" r:id="rId2"/>
-    <p:sldId id="257" r:id="rId3"/>
-    <p:sldId id="258" r:id="rId4"/>
-    <p:sldId id="259" r:id="rId5"/>
-    <p:sldId id="260" r:id="rId6"/>
-    <p:sldId id="261" r:id="rId7"/>
-    <p:sldId id="262" r:id="rId8"/>
-    <p:sldId id="263" r:id="rId9"/>
-    <p:sldId id="264" r:id="rId10"/>
-    <p:sldId id="265" r:id="rId11"/>
-    <p:sldId id="266" r:id="rId12"/>
-    <p:sldId id="267" r:id="rId13"/>
-    <p:sldId id="268" r:id="rId14"/>
-    <p:sldId id="269" r:id="rId15"/>
-    <p:sldId id="270" r:id="rId16"/>
-    <p:sldId id="271" r:id="rId17"/>
+    <p:sldId id="273" r:id="rId3"/>
+    <p:sldId id="274" r:id="rId4"/>
+    <p:sldId id="275" r:id="rId5"/>
+    <p:sldId id="272" r:id="rId6"/>
+    <p:sldId id="257" r:id="rId7"/>
+    <p:sldId id="258" r:id="rId8"/>
+    <p:sldId id="259" r:id="rId9"/>
+    <p:sldId id="260" r:id="rId10"/>
+    <p:sldId id="261" r:id="rId11"/>
+    <p:sldId id="262" r:id="rId12"/>
+    <p:sldId id="263" r:id="rId13"/>
+    <p:sldId id="264" r:id="rId14"/>
+    <p:sldId id="265" r:id="rId15"/>
+    <p:sldId id="266" r:id="rId16"/>
+    <p:sldId id="267" r:id="rId17"/>
+    <p:sldId id="268" r:id="rId18"/>
+    <p:sldId id="269" r:id="rId19"/>
+    <p:sldId id="270" r:id="rId20"/>
+    <p:sldId id="271" r:id="rId21"/>
   </p:sldIdLst>
   <p:sldSz cx="12192000" cy="6858000"/>
   <p:notesSz cx="6858000" cy="9144000"/>
@@ -119,6 +123,11 @@
       </a:defRPr>
     </a:lvl9pPr>
   </p:defaultTextStyle>
+  <p:extLst>
+    <p:ext uri="{EFAFB233-063F-42B5-8137-9DF3F51BA10A}">
+      <p15:sldGuideLst xmlns:p15="http://schemas.microsoft.com/office/powerpoint/2012/main"/>
+    </p:ext>
+  </p:extLst>
 </p:presentation>
 </file>
 
@@ -4054,7 +4063,7 @@
         </p:nvSpPr>
         <p:spPr>
           <a:xfrm>
-            <a:off x="8295713" y="4639229"/>
+            <a:off x="5090832" y="5338477"/>
             <a:ext cx="1795182" cy="699247"/>
           </a:xfrm>
           <a:prstGeom prst="roundRect">
@@ -4103,7 +4112,7 @@
         </p:nvSpPr>
         <p:spPr>
           <a:xfrm>
-            <a:off x="5469869" y="4639229"/>
+            <a:off x="2264427" y="4639229"/>
             <a:ext cx="1035423" cy="699247"/>
           </a:xfrm>
           <a:prstGeom prst="roundRect">
@@ -4284,7 +4293,7 @@
         </p:nvSpPr>
         <p:spPr>
           <a:xfrm>
-            <a:off x="4200104" y="5338476"/>
+            <a:off x="994662" y="5338479"/>
             <a:ext cx="3574955" cy="699247"/>
           </a:xfrm>
           <a:prstGeom prst="roundRect">
@@ -4322,7 +4331,7 @@
     </p:spTree>
     <p:extLst>
       <p:ext uri="{BB962C8B-B14F-4D97-AF65-F5344CB8AC3E}">
-        <p14:creationId xmlns:p14="http://schemas.microsoft.com/office/powerpoint/2010/main" val="1614477641"/>
+        <p14:creationId xmlns:p14="http://schemas.microsoft.com/office/powerpoint/2010/main" val="1501483805"/>
       </p:ext>
     </p:extLst>
   </p:cSld>
@@ -4550,7 +4559,7 @@
         </p:nvSpPr>
         <p:spPr>
           <a:xfrm>
-            <a:off x="1883847" y="5338475"/>
+            <a:off x="8295713" y="4639229"/>
             <a:ext cx="1795182" cy="699247"/>
           </a:xfrm>
           <a:prstGeom prst="roundRect">
@@ -4599,7 +4608,7 @@
         </p:nvSpPr>
         <p:spPr>
           <a:xfrm>
-            <a:off x="5469869" y="4639229"/>
+            <a:off x="2264427" y="4639229"/>
             <a:ext cx="1035423" cy="699247"/>
           </a:xfrm>
           <a:prstGeom prst="roundRect">
@@ -4780,7 +4789,7 @@
         </p:nvSpPr>
         <p:spPr>
           <a:xfrm>
-            <a:off x="4200104" y="5338476"/>
+            <a:off x="994662" y="5338479"/>
             <a:ext cx="3574955" cy="699247"/>
           </a:xfrm>
           <a:prstGeom prst="roundRect">
@@ -4818,7 +4827,7 @@
     </p:spTree>
     <p:extLst>
       <p:ext uri="{BB962C8B-B14F-4D97-AF65-F5344CB8AC3E}">
-        <p14:creationId xmlns:p14="http://schemas.microsoft.com/office/powerpoint/2010/main" val="2732677199"/>
+        <p14:creationId xmlns:p14="http://schemas.microsoft.com/office/powerpoint/2010/main" val="662792459"/>
       </p:ext>
     </p:extLst>
   </p:cSld>
@@ -5046,7 +5055,7 @@
         </p:nvSpPr>
         <p:spPr>
           <a:xfrm>
-            <a:off x="1883847" y="5338475"/>
+            <a:off x="8295713" y="4639229"/>
             <a:ext cx="1795182" cy="699247"/>
           </a:xfrm>
           <a:prstGeom prst="roundRect">
@@ -5095,7 +5104,7 @@
         </p:nvSpPr>
         <p:spPr>
           <a:xfrm>
-            <a:off x="2263726" y="4639227"/>
+            <a:off x="8675592" y="3939978"/>
             <a:ext cx="1035423" cy="699247"/>
           </a:xfrm>
           <a:prstGeom prst="roundRect">
@@ -5276,7 +5285,7 @@
         </p:nvSpPr>
         <p:spPr>
           <a:xfrm>
-            <a:off x="4200104" y="5338476"/>
+            <a:off x="994662" y="5338479"/>
             <a:ext cx="3574955" cy="699247"/>
           </a:xfrm>
           <a:prstGeom prst="roundRect">
@@ -5314,7 +5323,7 @@
     </p:spTree>
     <p:extLst>
       <p:ext uri="{BB962C8B-B14F-4D97-AF65-F5344CB8AC3E}">
-        <p14:creationId xmlns:p14="http://schemas.microsoft.com/office/powerpoint/2010/main" val="802717774"/>
+        <p14:creationId xmlns:p14="http://schemas.microsoft.com/office/powerpoint/2010/main" val="3560466538"/>
       </p:ext>
     </p:extLst>
   </p:cSld>
@@ -5493,7 +5502,7 @@
         </p:nvSpPr>
         <p:spPr>
           <a:xfrm>
-            <a:off x="4636151" y="4639227"/>
+            <a:off x="7841875" y="5338477"/>
             <a:ext cx="2702859" cy="699247"/>
           </a:xfrm>
           <a:prstGeom prst="roundRect">
@@ -5542,7 +5551,7 @@
         </p:nvSpPr>
         <p:spPr>
           <a:xfrm>
-            <a:off x="1883847" y="5338475"/>
+            <a:off x="8295713" y="4639229"/>
             <a:ext cx="1795182" cy="699247"/>
           </a:xfrm>
           <a:prstGeom prst="roundRect">
@@ -5591,7 +5600,7 @@
         </p:nvSpPr>
         <p:spPr>
           <a:xfrm>
-            <a:off x="2263726" y="4639227"/>
+            <a:off x="8675592" y="3939978"/>
             <a:ext cx="1035423" cy="699247"/>
           </a:xfrm>
           <a:prstGeom prst="roundRect">
@@ -5810,7 +5819,7 @@
     </p:spTree>
     <p:extLst>
       <p:ext uri="{BB962C8B-B14F-4D97-AF65-F5344CB8AC3E}">
-        <p14:creationId xmlns:p14="http://schemas.microsoft.com/office/powerpoint/2010/main" val="1297639792"/>
+        <p14:creationId xmlns:p14="http://schemas.microsoft.com/office/powerpoint/2010/main" val="1292937648"/>
       </p:ext>
     </p:extLst>
   </p:cSld>
@@ -5989,7 +5998,7 @@
         </p:nvSpPr>
         <p:spPr>
           <a:xfrm>
-            <a:off x="4636151" y="4639227"/>
+            <a:off x="7841875" y="5338477"/>
             <a:ext cx="2702859" cy="699247"/>
           </a:xfrm>
           <a:prstGeom prst="roundRect">
@@ -6038,7 +6047,7 @@
         </p:nvSpPr>
         <p:spPr>
           <a:xfrm>
-            <a:off x="1883847" y="5338475"/>
+            <a:off x="8295713" y="4639229"/>
             <a:ext cx="1795182" cy="699247"/>
           </a:xfrm>
           <a:prstGeom prst="roundRect">
@@ -6087,7 +6096,7 @@
         </p:nvSpPr>
         <p:spPr>
           <a:xfrm>
-            <a:off x="8675593" y="5338474"/>
+            <a:off x="5469869" y="4639229"/>
             <a:ext cx="1035423" cy="699247"/>
           </a:xfrm>
           <a:prstGeom prst="roundRect">
@@ -6306,7 +6315,7 @@
     </p:spTree>
     <p:extLst>
       <p:ext uri="{BB962C8B-B14F-4D97-AF65-F5344CB8AC3E}">
-        <p14:creationId xmlns:p14="http://schemas.microsoft.com/office/powerpoint/2010/main" val="3738901367"/>
+        <p14:creationId xmlns:p14="http://schemas.microsoft.com/office/powerpoint/2010/main" val="1614477641"/>
       </p:ext>
     </p:extLst>
   </p:cSld>
@@ -6485,7 +6494,7 @@
         </p:nvSpPr>
         <p:spPr>
           <a:xfrm>
-            <a:off x="4636151" y="4639227"/>
+            <a:off x="7841875" y="5338477"/>
             <a:ext cx="2702859" cy="699247"/>
           </a:xfrm>
           <a:prstGeom prst="roundRect">
@@ -6534,7 +6543,7 @@
         </p:nvSpPr>
         <p:spPr>
           <a:xfrm>
-            <a:off x="5089989" y="3939974"/>
+            <a:off x="1883847" y="5338475"/>
             <a:ext cx="1795182" cy="699247"/>
           </a:xfrm>
           <a:prstGeom prst="roundRect">
@@ -6583,7 +6592,7 @@
         </p:nvSpPr>
         <p:spPr>
           <a:xfrm>
-            <a:off x="8675593" y="5338474"/>
+            <a:off x="5469869" y="4639229"/>
             <a:ext cx="1035423" cy="699247"/>
           </a:xfrm>
           <a:prstGeom prst="roundRect">
@@ -6802,7 +6811,7 @@
     </p:spTree>
     <p:extLst>
       <p:ext uri="{BB962C8B-B14F-4D97-AF65-F5344CB8AC3E}">
-        <p14:creationId xmlns:p14="http://schemas.microsoft.com/office/powerpoint/2010/main" val="4258291544"/>
+        <p14:creationId xmlns:p14="http://schemas.microsoft.com/office/powerpoint/2010/main" val="2732677199"/>
       </p:ext>
     </p:extLst>
   </p:cSld>
@@ -6981,7 +6990,7 @@
         </p:nvSpPr>
         <p:spPr>
           <a:xfrm>
-            <a:off x="4636151" y="4639227"/>
+            <a:off x="7841875" y="5338477"/>
             <a:ext cx="2702859" cy="699247"/>
           </a:xfrm>
           <a:prstGeom prst="roundRect">
@@ -7030,7 +7039,7 @@
         </p:nvSpPr>
         <p:spPr>
           <a:xfrm>
-            <a:off x="5089989" y="3939974"/>
+            <a:off x="1883847" y="5338475"/>
             <a:ext cx="1795182" cy="699247"/>
           </a:xfrm>
           <a:prstGeom prst="roundRect">
@@ -7079,7 +7088,7 @@
         </p:nvSpPr>
         <p:spPr>
           <a:xfrm>
-            <a:off x="5469868" y="3240724"/>
+            <a:off x="2263726" y="4639227"/>
             <a:ext cx="1035423" cy="699247"/>
           </a:xfrm>
           <a:prstGeom prst="roundRect">
@@ -7298,7 +7307,1495 @@
     </p:spTree>
     <p:extLst>
       <p:ext uri="{BB962C8B-B14F-4D97-AF65-F5344CB8AC3E}">
-        <p14:creationId xmlns:p14="http://schemas.microsoft.com/office/powerpoint/2010/main" val="1493198643"/>
+        <p14:creationId xmlns:p14="http://schemas.microsoft.com/office/powerpoint/2010/main" val="802717774"/>
+      </p:ext>
+    </p:extLst>
+  </p:cSld>
+  <p:clrMapOvr>
+    <a:masterClrMapping/>
+  </p:clrMapOvr>
+</p:sld>
+</file>
+
+<file path=ppt/slides/slide17.xml><?xml version="1.0" encoding="utf-8"?>
+<p:sld xmlns:a="http://schemas.openxmlformats.org/drawingml/2006/main" xmlns:r="http://schemas.openxmlformats.org/officeDocument/2006/relationships" xmlns:p="http://schemas.openxmlformats.org/presentationml/2006/main">
+  <p:cSld>
+    <p:spTree>
+      <p:nvGrpSpPr>
+        <p:cNvPr id="1" name=""/>
+        <p:cNvGrpSpPr/>
+        <p:nvPr/>
+      </p:nvGrpSpPr>
+      <p:grpSpPr>
+        <a:xfrm>
+          <a:off x="0" y="0"/>
+          <a:ext cx="0" cy="0"/>
+          <a:chOff x="0" y="0"/>
+          <a:chExt cx="0" cy="0"/>
+        </a:xfrm>
+      </p:grpSpPr>
+      <p:sp>
+        <p:nvSpPr>
+          <p:cNvPr id="5" name="Rectangle 4">
+            <a:extLst>
+              <a:ext uri="{FF2B5EF4-FFF2-40B4-BE49-F238E27FC236}">
+                <a16:creationId xmlns:a16="http://schemas.microsoft.com/office/drawing/2014/main" id="{B2CA91FE-BE58-45A7-BD2F-19D9D014B3EB}"/>
+              </a:ext>
+            </a:extLst>
+          </p:cNvPr>
+          <p:cNvSpPr/>
+          <p:nvPr/>
+        </p:nvSpPr>
+        <p:spPr>
+          <a:xfrm>
+            <a:off x="2675965" y="1021976"/>
+            <a:ext cx="215152" cy="5015753"/>
+          </a:xfrm>
+          <a:prstGeom prst="rect">
+            <a:avLst/>
+          </a:prstGeom>
+        </p:spPr>
+        <p:style>
+          <a:lnRef idx="2">
+            <a:schemeClr val="accent1">
+              <a:shade val="50000"/>
+            </a:schemeClr>
+          </a:lnRef>
+          <a:fillRef idx="1">
+            <a:schemeClr val="accent1"/>
+          </a:fillRef>
+          <a:effectRef idx="0">
+            <a:schemeClr val="accent1"/>
+          </a:effectRef>
+          <a:fontRef idx="minor">
+            <a:schemeClr val="lt1"/>
+          </a:fontRef>
+        </p:style>
+        <p:txBody>
+          <a:bodyPr rtlCol="0" anchor="ctr"/>
+          <a:lstStyle/>
+          <a:p>
+            <a:pPr algn="ctr"/>
+            <a:endParaRPr lang="en-CA"/>
+          </a:p>
+        </p:txBody>
+      </p:sp>
+      <p:sp>
+        <p:nvSpPr>
+          <p:cNvPr id="6" name="Rectangle 5">
+            <a:extLst>
+              <a:ext uri="{FF2B5EF4-FFF2-40B4-BE49-F238E27FC236}">
+                <a16:creationId xmlns:a16="http://schemas.microsoft.com/office/drawing/2014/main" id="{AE68E2F0-4FED-4BB5-B60D-1B95DCE5B1E8}"/>
+              </a:ext>
+            </a:extLst>
+          </p:cNvPr>
+          <p:cNvSpPr/>
+          <p:nvPr/>
+        </p:nvSpPr>
+        <p:spPr>
+          <a:xfrm>
+            <a:off x="5880847" y="1021976"/>
+            <a:ext cx="215152" cy="5015753"/>
+          </a:xfrm>
+          <a:prstGeom prst="rect">
+            <a:avLst/>
+          </a:prstGeom>
+        </p:spPr>
+        <p:style>
+          <a:lnRef idx="2">
+            <a:schemeClr val="accent1">
+              <a:shade val="50000"/>
+            </a:schemeClr>
+          </a:lnRef>
+          <a:fillRef idx="1">
+            <a:schemeClr val="accent1"/>
+          </a:fillRef>
+          <a:effectRef idx="0">
+            <a:schemeClr val="accent1"/>
+          </a:effectRef>
+          <a:fontRef idx="minor">
+            <a:schemeClr val="lt1"/>
+          </a:fontRef>
+        </p:style>
+        <p:txBody>
+          <a:bodyPr rtlCol="0" anchor="ctr"/>
+          <a:lstStyle/>
+          <a:p>
+            <a:pPr algn="ctr"/>
+            <a:endParaRPr lang="en-CA"/>
+          </a:p>
+        </p:txBody>
+      </p:sp>
+      <p:sp>
+        <p:nvSpPr>
+          <p:cNvPr id="7" name="Rectangle 6">
+            <a:extLst>
+              <a:ext uri="{FF2B5EF4-FFF2-40B4-BE49-F238E27FC236}">
+                <a16:creationId xmlns:a16="http://schemas.microsoft.com/office/drawing/2014/main" id="{02EECAB0-3C8F-40A7-9448-BAA00676BB83}"/>
+              </a:ext>
+            </a:extLst>
+          </p:cNvPr>
+          <p:cNvSpPr/>
+          <p:nvPr/>
+        </p:nvSpPr>
+        <p:spPr>
+          <a:xfrm>
+            <a:off x="9085729" y="1021975"/>
+            <a:ext cx="215152" cy="5015753"/>
+          </a:xfrm>
+          <a:prstGeom prst="rect">
+            <a:avLst/>
+          </a:prstGeom>
+        </p:spPr>
+        <p:style>
+          <a:lnRef idx="2">
+            <a:schemeClr val="accent1">
+              <a:shade val="50000"/>
+            </a:schemeClr>
+          </a:lnRef>
+          <a:fillRef idx="1">
+            <a:schemeClr val="accent1"/>
+          </a:fillRef>
+          <a:effectRef idx="0">
+            <a:schemeClr val="accent1"/>
+          </a:effectRef>
+          <a:fontRef idx="minor">
+            <a:schemeClr val="lt1"/>
+          </a:fontRef>
+        </p:style>
+        <p:txBody>
+          <a:bodyPr rtlCol="0" anchor="ctr"/>
+          <a:lstStyle/>
+          <a:p>
+            <a:pPr algn="ctr"/>
+            <a:endParaRPr lang="en-CA"/>
+          </a:p>
+        </p:txBody>
+      </p:sp>
+      <p:sp>
+        <p:nvSpPr>
+          <p:cNvPr id="10" name="Rectangle: Rounded Corners 9">
+            <a:extLst>
+              <a:ext uri="{FF2B5EF4-FFF2-40B4-BE49-F238E27FC236}">
+                <a16:creationId xmlns:a16="http://schemas.microsoft.com/office/drawing/2014/main" id="{792834DD-D8C6-4CFB-A388-AFE06B37D359}"/>
+              </a:ext>
+            </a:extLst>
+          </p:cNvPr>
+          <p:cNvSpPr/>
+          <p:nvPr/>
+        </p:nvSpPr>
+        <p:spPr>
+          <a:xfrm>
+            <a:off x="4636151" y="4639227"/>
+            <a:ext cx="2702859" cy="699247"/>
+          </a:xfrm>
+          <a:prstGeom prst="roundRect">
+            <a:avLst/>
+          </a:prstGeom>
+          <a:solidFill>
+            <a:srgbClr val="92D050"/>
+          </a:solidFill>
+        </p:spPr>
+        <p:style>
+          <a:lnRef idx="2">
+            <a:schemeClr val="accent1">
+              <a:shade val="50000"/>
+            </a:schemeClr>
+          </a:lnRef>
+          <a:fillRef idx="1">
+            <a:schemeClr val="accent1"/>
+          </a:fillRef>
+          <a:effectRef idx="0">
+            <a:schemeClr val="accent1"/>
+          </a:effectRef>
+          <a:fontRef idx="minor">
+            <a:schemeClr val="lt1"/>
+          </a:fontRef>
+        </p:style>
+        <p:txBody>
+          <a:bodyPr rtlCol="0" anchor="ctr"/>
+          <a:lstStyle/>
+          <a:p>
+            <a:pPr algn="ctr"/>
+            <a:endParaRPr lang="en-CA"/>
+          </a:p>
+        </p:txBody>
+      </p:sp>
+      <p:sp>
+        <p:nvSpPr>
+          <p:cNvPr id="11" name="Rectangle: Rounded Corners 10">
+            <a:extLst>
+              <a:ext uri="{FF2B5EF4-FFF2-40B4-BE49-F238E27FC236}">
+                <a16:creationId xmlns:a16="http://schemas.microsoft.com/office/drawing/2014/main" id="{ADE5243D-646B-4218-A8B5-3A4B0A28FC2E}"/>
+              </a:ext>
+            </a:extLst>
+          </p:cNvPr>
+          <p:cNvSpPr/>
+          <p:nvPr/>
+        </p:nvSpPr>
+        <p:spPr>
+          <a:xfrm>
+            <a:off x="1883847" y="5338475"/>
+            <a:ext cx="1795182" cy="699247"/>
+          </a:xfrm>
+          <a:prstGeom prst="roundRect">
+            <a:avLst/>
+          </a:prstGeom>
+          <a:solidFill>
+            <a:srgbClr val="00B0F0"/>
+          </a:solidFill>
+        </p:spPr>
+        <p:style>
+          <a:lnRef idx="2">
+            <a:schemeClr val="accent1">
+              <a:shade val="50000"/>
+            </a:schemeClr>
+          </a:lnRef>
+          <a:fillRef idx="1">
+            <a:schemeClr val="accent1"/>
+          </a:fillRef>
+          <a:effectRef idx="0">
+            <a:schemeClr val="accent1"/>
+          </a:effectRef>
+          <a:fontRef idx="minor">
+            <a:schemeClr val="lt1"/>
+          </a:fontRef>
+        </p:style>
+        <p:txBody>
+          <a:bodyPr rtlCol="0" anchor="ctr"/>
+          <a:lstStyle/>
+          <a:p>
+            <a:pPr algn="ctr"/>
+            <a:endParaRPr lang="en-CA"/>
+          </a:p>
+        </p:txBody>
+      </p:sp>
+      <p:sp>
+        <p:nvSpPr>
+          <p:cNvPr id="12" name="Rectangle: Rounded Corners 11">
+            <a:extLst>
+              <a:ext uri="{FF2B5EF4-FFF2-40B4-BE49-F238E27FC236}">
+                <a16:creationId xmlns:a16="http://schemas.microsoft.com/office/drawing/2014/main" id="{725387ED-A54B-4D7F-A6B5-8D190E753020}"/>
+              </a:ext>
+            </a:extLst>
+          </p:cNvPr>
+          <p:cNvSpPr/>
+          <p:nvPr/>
+        </p:nvSpPr>
+        <p:spPr>
+          <a:xfrm>
+            <a:off x="2263726" y="4639227"/>
+            <a:ext cx="1035423" cy="699247"/>
+          </a:xfrm>
+          <a:prstGeom prst="roundRect">
+            <a:avLst/>
+          </a:prstGeom>
+          <a:solidFill>
+            <a:srgbClr val="FFC000"/>
+          </a:solidFill>
+        </p:spPr>
+        <p:style>
+          <a:lnRef idx="2">
+            <a:schemeClr val="accent1">
+              <a:shade val="50000"/>
+            </a:schemeClr>
+          </a:lnRef>
+          <a:fillRef idx="1">
+            <a:schemeClr val="accent1"/>
+          </a:fillRef>
+          <a:effectRef idx="0">
+            <a:schemeClr val="accent1"/>
+          </a:effectRef>
+          <a:fontRef idx="minor">
+            <a:schemeClr val="lt1"/>
+          </a:fontRef>
+        </p:style>
+        <p:txBody>
+          <a:bodyPr rtlCol="0" anchor="ctr"/>
+          <a:lstStyle/>
+          <a:p>
+            <a:pPr algn="ctr"/>
+            <a:endParaRPr lang="en-CA"/>
+          </a:p>
+        </p:txBody>
+      </p:sp>
+      <p:sp>
+        <p:nvSpPr>
+          <p:cNvPr id="14" name="TextBox 13">
+            <a:extLst>
+              <a:ext uri="{FF2B5EF4-FFF2-40B4-BE49-F238E27FC236}">
+                <a16:creationId xmlns:a16="http://schemas.microsoft.com/office/drawing/2014/main" id="{C4774B56-5CFB-4AA3-93FA-ED98D157EA6B}"/>
+              </a:ext>
+            </a:extLst>
+          </p:cNvPr>
+          <p:cNvSpPr txBox="1"/>
+          <p:nvPr/>
+        </p:nvSpPr>
+        <p:spPr>
+          <a:xfrm>
+            <a:off x="2542334" y="375644"/>
+            <a:ext cx="482414" cy="646331"/>
+          </a:xfrm>
+          <a:prstGeom prst="rect">
+            <a:avLst/>
+          </a:prstGeom>
+          <a:noFill/>
+        </p:spPr>
+        <p:txBody>
+          <a:bodyPr wrap="square" rtlCol="0">
+            <a:spAutoFit/>
+          </a:bodyPr>
+          <a:lstStyle/>
+          <a:p>
+            <a:r>
+              <a:rPr lang="en-US" sz="3600" b="1" dirty="0">
+                <a:solidFill>
+                  <a:srgbClr val="4472C4"/>
+                </a:solidFill>
+              </a:rPr>
+              <a:t>A</a:t>
+            </a:r>
+            <a:endParaRPr lang="en-CA" sz="3600" b="1" dirty="0">
+              <a:solidFill>
+                <a:srgbClr val="4472C4"/>
+              </a:solidFill>
+            </a:endParaRPr>
+          </a:p>
+        </p:txBody>
+      </p:sp>
+      <p:sp>
+        <p:nvSpPr>
+          <p:cNvPr id="15" name="TextBox 14">
+            <a:extLst>
+              <a:ext uri="{FF2B5EF4-FFF2-40B4-BE49-F238E27FC236}">
+                <a16:creationId xmlns:a16="http://schemas.microsoft.com/office/drawing/2014/main" id="{A4C14198-127E-4852-96E1-CED34D6A21C2}"/>
+              </a:ext>
+            </a:extLst>
+          </p:cNvPr>
+          <p:cNvSpPr txBox="1"/>
+          <p:nvPr/>
+        </p:nvSpPr>
+        <p:spPr>
+          <a:xfrm>
+            <a:off x="5747216" y="375643"/>
+            <a:ext cx="482414" cy="646331"/>
+          </a:xfrm>
+          <a:prstGeom prst="rect">
+            <a:avLst/>
+          </a:prstGeom>
+          <a:noFill/>
+        </p:spPr>
+        <p:txBody>
+          <a:bodyPr wrap="square" rtlCol="0">
+            <a:spAutoFit/>
+          </a:bodyPr>
+          <a:lstStyle/>
+          <a:p>
+            <a:r>
+              <a:rPr lang="en-US" sz="3600" b="1" dirty="0">
+                <a:solidFill>
+                  <a:srgbClr val="4472C4"/>
+                </a:solidFill>
+              </a:rPr>
+              <a:t>B</a:t>
+            </a:r>
+            <a:endParaRPr lang="en-CA" sz="3600" b="1" dirty="0">
+              <a:solidFill>
+                <a:srgbClr val="4472C4"/>
+              </a:solidFill>
+            </a:endParaRPr>
+          </a:p>
+        </p:txBody>
+      </p:sp>
+      <p:sp>
+        <p:nvSpPr>
+          <p:cNvPr id="16" name="TextBox 15">
+            <a:extLst>
+              <a:ext uri="{FF2B5EF4-FFF2-40B4-BE49-F238E27FC236}">
+                <a16:creationId xmlns:a16="http://schemas.microsoft.com/office/drawing/2014/main" id="{B6434293-2B82-4C44-8283-F14D593D20E2}"/>
+              </a:ext>
+            </a:extLst>
+          </p:cNvPr>
+          <p:cNvSpPr txBox="1"/>
+          <p:nvPr/>
+        </p:nvSpPr>
+        <p:spPr>
+          <a:xfrm>
+            <a:off x="8952098" y="407017"/>
+            <a:ext cx="482414" cy="646331"/>
+          </a:xfrm>
+          <a:prstGeom prst="rect">
+            <a:avLst/>
+          </a:prstGeom>
+          <a:noFill/>
+        </p:spPr>
+        <p:txBody>
+          <a:bodyPr wrap="square" rtlCol="0">
+            <a:spAutoFit/>
+          </a:bodyPr>
+          <a:lstStyle/>
+          <a:p>
+            <a:r>
+              <a:rPr lang="en-US" sz="3600" b="1" dirty="0">
+                <a:solidFill>
+                  <a:srgbClr val="4472C4"/>
+                </a:solidFill>
+              </a:rPr>
+              <a:t>C</a:t>
+            </a:r>
+            <a:endParaRPr lang="en-CA" sz="3600" b="1" dirty="0">
+              <a:solidFill>
+                <a:srgbClr val="4472C4"/>
+              </a:solidFill>
+            </a:endParaRPr>
+          </a:p>
+        </p:txBody>
+      </p:sp>
+      <p:sp>
+        <p:nvSpPr>
+          <p:cNvPr id="17" name="Rectangle: Rounded Corners 16">
+            <a:extLst>
+              <a:ext uri="{FF2B5EF4-FFF2-40B4-BE49-F238E27FC236}">
+                <a16:creationId xmlns:a16="http://schemas.microsoft.com/office/drawing/2014/main" id="{C558ED50-8B1F-48AC-BCB2-3AD75A2EE2CD}"/>
+              </a:ext>
+            </a:extLst>
+          </p:cNvPr>
+          <p:cNvSpPr/>
+          <p:nvPr/>
+        </p:nvSpPr>
+        <p:spPr>
+          <a:xfrm>
+            <a:off x="4200104" y="5338476"/>
+            <a:ext cx="3574955" cy="699247"/>
+          </a:xfrm>
+          <a:prstGeom prst="roundRect">
+            <a:avLst/>
+          </a:prstGeom>
+          <a:solidFill>
+            <a:srgbClr val="FF0000"/>
+          </a:solidFill>
+        </p:spPr>
+        <p:style>
+          <a:lnRef idx="2">
+            <a:schemeClr val="accent1">
+              <a:shade val="50000"/>
+            </a:schemeClr>
+          </a:lnRef>
+          <a:fillRef idx="1">
+            <a:schemeClr val="accent1"/>
+          </a:fillRef>
+          <a:effectRef idx="0">
+            <a:schemeClr val="accent1"/>
+          </a:effectRef>
+          <a:fontRef idx="minor">
+            <a:schemeClr val="lt1"/>
+          </a:fontRef>
+        </p:style>
+        <p:txBody>
+          <a:bodyPr rtlCol="0" anchor="ctr"/>
+          <a:lstStyle/>
+          <a:p>
+            <a:pPr algn="ctr"/>
+            <a:endParaRPr lang="en-CA"/>
+          </a:p>
+        </p:txBody>
+      </p:sp>
+    </p:spTree>
+    <p:extLst>
+      <p:ext uri="{BB962C8B-B14F-4D97-AF65-F5344CB8AC3E}">
+        <p14:creationId xmlns:p14="http://schemas.microsoft.com/office/powerpoint/2010/main" val="1297639792"/>
+      </p:ext>
+    </p:extLst>
+  </p:cSld>
+  <p:clrMapOvr>
+    <a:masterClrMapping/>
+  </p:clrMapOvr>
+</p:sld>
+</file>
+
+<file path=ppt/slides/slide18.xml><?xml version="1.0" encoding="utf-8"?>
+<p:sld xmlns:a="http://schemas.openxmlformats.org/drawingml/2006/main" xmlns:r="http://schemas.openxmlformats.org/officeDocument/2006/relationships" xmlns:p="http://schemas.openxmlformats.org/presentationml/2006/main">
+  <p:cSld>
+    <p:spTree>
+      <p:nvGrpSpPr>
+        <p:cNvPr id="1" name=""/>
+        <p:cNvGrpSpPr/>
+        <p:nvPr/>
+      </p:nvGrpSpPr>
+      <p:grpSpPr>
+        <a:xfrm>
+          <a:off x="0" y="0"/>
+          <a:ext cx="0" cy="0"/>
+          <a:chOff x="0" y="0"/>
+          <a:chExt cx="0" cy="0"/>
+        </a:xfrm>
+      </p:grpSpPr>
+      <p:sp>
+        <p:nvSpPr>
+          <p:cNvPr id="5" name="Rectangle 4">
+            <a:extLst>
+              <a:ext uri="{FF2B5EF4-FFF2-40B4-BE49-F238E27FC236}">
+                <a16:creationId xmlns:a16="http://schemas.microsoft.com/office/drawing/2014/main" id="{B2CA91FE-BE58-45A7-BD2F-19D9D014B3EB}"/>
+              </a:ext>
+            </a:extLst>
+          </p:cNvPr>
+          <p:cNvSpPr/>
+          <p:nvPr/>
+        </p:nvSpPr>
+        <p:spPr>
+          <a:xfrm>
+            <a:off x="2675965" y="1021976"/>
+            <a:ext cx="215152" cy="5015753"/>
+          </a:xfrm>
+          <a:prstGeom prst="rect">
+            <a:avLst/>
+          </a:prstGeom>
+        </p:spPr>
+        <p:style>
+          <a:lnRef idx="2">
+            <a:schemeClr val="accent1">
+              <a:shade val="50000"/>
+            </a:schemeClr>
+          </a:lnRef>
+          <a:fillRef idx="1">
+            <a:schemeClr val="accent1"/>
+          </a:fillRef>
+          <a:effectRef idx="0">
+            <a:schemeClr val="accent1"/>
+          </a:effectRef>
+          <a:fontRef idx="minor">
+            <a:schemeClr val="lt1"/>
+          </a:fontRef>
+        </p:style>
+        <p:txBody>
+          <a:bodyPr rtlCol="0" anchor="ctr"/>
+          <a:lstStyle/>
+          <a:p>
+            <a:pPr algn="ctr"/>
+            <a:endParaRPr lang="en-CA"/>
+          </a:p>
+        </p:txBody>
+      </p:sp>
+      <p:sp>
+        <p:nvSpPr>
+          <p:cNvPr id="6" name="Rectangle 5">
+            <a:extLst>
+              <a:ext uri="{FF2B5EF4-FFF2-40B4-BE49-F238E27FC236}">
+                <a16:creationId xmlns:a16="http://schemas.microsoft.com/office/drawing/2014/main" id="{AE68E2F0-4FED-4BB5-B60D-1B95DCE5B1E8}"/>
+              </a:ext>
+            </a:extLst>
+          </p:cNvPr>
+          <p:cNvSpPr/>
+          <p:nvPr/>
+        </p:nvSpPr>
+        <p:spPr>
+          <a:xfrm>
+            <a:off x="5880847" y="1021976"/>
+            <a:ext cx="215152" cy="5015753"/>
+          </a:xfrm>
+          <a:prstGeom prst="rect">
+            <a:avLst/>
+          </a:prstGeom>
+        </p:spPr>
+        <p:style>
+          <a:lnRef idx="2">
+            <a:schemeClr val="accent1">
+              <a:shade val="50000"/>
+            </a:schemeClr>
+          </a:lnRef>
+          <a:fillRef idx="1">
+            <a:schemeClr val="accent1"/>
+          </a:fillRef>
+          <a:effectRef idx="0">
+            <a:schemeClr val="accent1"/>
+          </a:effectRef>
+          <a:fontRef idx="minor">
+            <a:schemeClr val="lt1"/>
+          </a:fontRef>
+        </p:style>
+        <p:txBody>
+          <a:bodyPr rtlCol="0" anchor="ctr"/>
+          <a:lstStyle/>
+          <a:p>
+            <a:pPr algn="ctr"/>
+            <a:endParaRPr lang="en-CA"/>
+          </a:p>
+        </p:txBody>
+      </p:sp>
+      <p:sp>
+        <p:nvSpPr>
+          <p:cNvPr id="7" name="Rectangle 6">
+            <a:extLst>
+              <a:ext uri="{FF2B5EF4-FFF2-40B4-BE49-F238E27FC236}">
+                <a16:creationId xmlns:a16="http://schemas.microsoft.com/office/drawing/2014/main" id="{02EECAB0-3C8F-40A7-9448-BAA00676BB83}"/>
+              </a:ext>
+            </a:extLst>
+          </p:cNvPr>
+          <p:cNvSpPr/>
+          <p:nvPr/>
+        </p:nvSpPr>
+        <p:spPr>
+          <a:xfrm>
+            <a:off x="9085729" y="1021975"/>
+            <a:ext cx="215152" cy="5015753"/>
+          </a:xfrm>
+          <a:prstGeom prst="rect">
+            <a:avLst/>
+          </a:prstGeom>
+        </p:spPr>
+        <p:style>
+          <a:lnRef idx="2">
+            <a:schemeClr val="accent1">
+              <a:shade val="50000"/>
+            </a:schemeClr>
+          </a:lnRef>
+          <a:fillRef idx="1">
+            <a:schemeClr val="accent1"/>
+          </a:fillRef>
+          <a:effectRef idx="0">
+            <a:schemeClr val="accent1"/>
+          </a:effectRef>
+          <a:fontRef idx="minor">
+            <a:schemeClr val="lt1"/>
+          </a:fontRef>
+        </p:style>
+        <p:txBody>
+          <a:bodyPr rtlCol="0" anchor="ctr"/>
+          <a:lstStyle/>
+          <a:p>
+            <a:pPr algn="ctr"/>
+            <a:endParaRPr lang="en-CA"/>
+          </a:p>
+        </p:txBody>
+      </p:sp>
+      <p:sp>
+        <p:nvSpPr>
+          <p:cNvPr id="10" name="Rectangle: Rounded Corners 9">
+            <a:extLst>
+              <a:ext uri="{FF2B5EF4-FFF2-40B4-BE49-F238E27FC236}">
+                <a16:creationId xmlns:a16="http://schemas.microsoft.com/office/drawing/2014/main" id="{792834DD-D8C6-4CFB-A388-AFE06B37D359}"/>
+              </a:ext>
+            </a:extLst>
+          </p:cNvPr>
+          <p:cNvSpPr/>
+          <p:nvPr/>
+        </p:nvSpPr>
+        <p:spPr>
+          <a:xfrm>
+            <a:off x="4636151" y="4639227"/>
+            <a:ext cx="2702859" cy="699247"/>
+          </a:xfrm>
+          <a:prstGeom prst="roundRect">
+            <a:avLst/>
+          </a:prstGeom>
+          <a:solidFill>
+            <a:srgbClr val="92D050"/>
+          </a:solidFill>
+        </p:spPr>
+        <p:style>
+          <a:lnRef idx="2">
+            <a:schemeClr val="accent1">
+              <a:shade val="50000"/>
+            </a:schemeClr>
+          </a:lnRef>
+          <a:fillRef idx="1">
+            <a:schemeClr val="accent1"/>
+          </a:fillRef>
+          <a:effectRef idx="0">
+            <a:schemeClr val="accent1"/>
+          </a:effectRef>
+          <a:fontRef idx="minor">
+            <a:schemeClr val="lt1"/>
+          </a:fontRef>
+        </p:style>
+        <p:txBody>
+          <a:bodyPr rtlCol="0" anchor="ctr"/>
+          <a:lstStyle/>
+          <a:p>
+            <a:pPr algn="ctr"/>
+            <a:endParaRPr lang="en-CA"/>
+          </a:p>
+        </p:txBody>
+      </p:sp>
+      <p:sp>
+        <p:nvSpPr>
+          <p:cNvPr id="11" name="Rectangle: Rounded Corners 10">
+            <a:extLst>
+              <a:ext uri="{FF2B5EF4-FFF2-40B4-BE49-F238E27FC236}">
+                <a16:creationId xmlns:a16="http://schemas.microsoft.com/office/drawing/2014/main" id="{ADE5243D-646B-4218-A8B5-3A4B0A28FC2E}"/>
+              </a:ext>
+            </a:extLst>
+          </p:cNvPr>
+          <p:cNvSpPr/>
+          <p:nvPr/>
+        </p:nvSpPr>
+        <p:spPr>
+          <a:xfrm>
+            <a:off x="1883847" y="5338475"/>
+            <a:ext cx="1795182" cy="699247"/>
+          </a:xfrm>
+          <a:prstGeom prst="roundRect">
+            <a:avLst/>
+          </a:prstGeom>
+          <a:solidFill>
+            <a:srgbClr val="00B0F0"/>
+          </a:solidFill>
+        </p:spPr>
+        <p:style>
+          <a:lnRef idx="2">
+            <a:schemeClr val="accent1">
+              <a:shade val="50000"/>
+            </a:schemeClr>
+          </a:lnRef>
+          <a:fillRef idx="1">
+            <a:schemeClr val="accent1"/>
+          </a:fillRef>
+          <a:effectRef idx="0">
+            <a:schemeClr val="accent1"/>
+          </a:effectRef>
+          <a:fontRef idx="minor">
+            <a:schemeClr val="lt1"/>
+          </a:fontRef>
+        </p:style>
+        <p:txBody>
+          <a:bodyPr rtlCol="0" anchor="ctr"/>
+          <a:lstStyle/>
+          <a:p>
+            <a:pPr algn="ctr"/>
+            <a:endParaRPr lang="en-CA"/>
+          </a:p>
+        </p:txBody>
+      </p:sp>
+      <p:sp>
+        <p:nvSpPr>
+          <p:cNvPr id="12" name="Rectangle: Rounded Corners 11">
+            <a:extLst>
+              <a:ext uri="{FF2B5EF4-FFF2-40B4-BE49-F238E27FC236}">
+                <a16:creationId xmlns:a16="http://schemas.microsoft.com/office/drawing/2014/main" id="{725387ED-A54B-4D7F-A6B5-8D190E753020}"/>
+              </a:ext>
+            </a:extLst>
+          </p:cNvPr>
+          <p:cNvSpPr/>
+          <p:nvPr/>
+        </p:nvSpPr>
+        <p:spPr>
+          <a:xfrm>
+            <a:off x="8675593" y="5338474"/>
+            <a:ext cx="1035423" cy="699247"/>
+          </a:xfrm>
+          <a:prstGeom prst="roundRect">
+            <a:avLst/>
+          </a:prstGeom>
+          <a:solidFill>
+            <a:srgbClr val="FFC000"/>
+          </a:solidFill>
+        </p:spPr>
+        <p:style>
+          <a:lnRef idx="2">
+            <a:schemeClr val="accent1">
+              <a:shade val="50000"/>
+            </a:schemeClr>
+          </a:lnRef>
+          <a:fillRef idx="1">
+            <a:schemeClr val="accent1"/>
+          </a:fillRef>
+          <a:effectRef idx="0">
+            <a:schemeClr val="accent1"/>
+          </a:effectRef>
+          <a:fontRef idx="minor">
+            <a:schemeClr val="lt1"/>
+          </a:fontRef>
+        </p:style>
+        <p:txBody>
+          <a:bodyPr rtlCol="0" anchor="ctr"/>
+          <a:lstStyle/>
+          <a:p>
+            <a:pPr algn="ctr"/>
+            <a:endParaRPr lang="en-CA"/>
+          </a:p>
+        </p:txBody>
+      </p:sp>
+      <p:sp>
+        <p:nvSpPr>
+          <p:cNvPr id="14" name="TextBox 13">
+            <a:extLst>
+              <a:ext uri="{FF2B5EF4-FFF2-40B4-BE49-F238E27FC236}">
+                <a16:creationId xmlns:a16="http://schemas.microsoft.com/office/drawing/2014/main" id="{C4774B56-5CFB-4AA3-93FA-ED98D157EA6B}"/>
+              </a:ext>
+            </a:extLst>
+          </p:cNvPr>
+          <p:cNvSpPr txBox="1"/>
+          <p:nvPr/>
+        </p:nvSpPr>
+        <p:spPr>
+          <a:xfrm>
+            <a:off x="2542334" y="375644"/>
+            <a:ext cx="482414" cy="646331"/>
+          </a:xfrm>
+          <a:prstGeom prst="rect">
+            <a:avLst/>
+          </a:prstGeom>
+          <a:noFill/>
+        </p:spPr>
+        <p:txBody>
+          <a:bodyPr wrap="square" rtlCol="0">
+            <a:spAutoFit/>
+          </a:bodyPr>
+          <a:lstStyle/>
+          <a:p>
+            <a:r>
+              <a:rPr lang="en-US" sz="3600" b="1" dirty="0">
+                <a:solidFill>
+                  <a:srgbClr val="4472C4"/>
+                </a:solidFill>
+              </a:rPr>
+              <a:t>A</a:t>
+            </a:r>
+            <a:endParaRPr lang="en-CA" sz="3600" b="1" dirty="0">
+              <a:solidFill>
+                <a:srgbClr val="4472C4"/>
+              </a:solidFill>
+            </a:endParaRPr>
+          </a:p>
+        </p:txBody>
+      </p:sp>
+      <p:sp>
+        <p:nvSpPr>
+          <p:cNvPr id="15" name="TextBox 14">
+            <a:extLst>
+              <a:ext uri="{FF2B5EF4-FFF2-40B4-BE49-F238E27FC236}">
+                <a16:creationId xmlns:a16="http://schemas.microsoft.com/office/drawing/2014/main" id="{A4C14198-127E-4852-96E1-CED34D6A21C2}"/>
+              </a:ext>
+            </a:extLst>
+          </p:cNvPr>
+          <p:cNvSpPr txBox="1"/>
+          <p:nvPr/>
+        </p:nvSpPr>
+        <p:spPr>
+          <a:xfrm>
+            <a:off x="5747216" y="375643"/>
+            <a:ext cx="482414" cy="646331"/>
+          </a:xfrm>
+          <a:prstGeom prst="rect">
+            <a:avLst/>
+          </a:prstGeom>
+          <a:noFill/>
+        </p:spPr>
+        <p:txBody>
+          <a:bodyPr wrap="square" rtlCol="0">
+            <a:spAutoFit/>
+          </a:bodyPr>
+          <a:lstStyle/>
+          <a:p>
+            <a:r>
+              <a:rPr lang="en-US" sz="3600" b="1" dirty="0">
+                <a:solidFill>
+                  <a:srgbClr val="4472C4"/>
+                </a:solidFill>
+              </a:rPr>
+              <a:t>B</a:t>
+            </a:r>
+            <a:endParaRPr lang="en-CA" sz="3600" b="1" dirty="0">
+              <a:solidFill>
+                <a:srgbClr val="4472C4"/>
+              </a:solidFill>
+            </a:endParaRPr>
+          </a:p>
+        </p:txBody>
+      </p:sp>
+      <p:sp>
+        <p:nvSpPr>
+          <p:cNvPr id="16" name="TextBox 15">
+            <a:extLst>
+              <a:ext uri="{FF2B5EF4-FFF2-40B4-BE49-F238E27FC236}">
+                <a16:creationId xmlns:a16="http://schemas.microsoft.com/office/drawing/2014/main" id="{B6434293-2B82-4C44-8283-F14D593D20E2}"/>
+              </a:ext>
+            </a:extLst>
+          </p:cNvPr>
+          <p:cNvSpPr txBox="1"/>
+          <p:nvPr/>
+        </p:nvSpPr>
+        <p:spPr>
+          <a:xfrm>
+            <a:off x="8952098" y="407017"/>
+            <a:ext cx="482414" cy="646331"/>
+          </a:xfrm>
+          <a:prstGeom prst="rect">
+            <a:avLst/>
+          </a:prstGeom>
+          <a:noFill/>
+        </p:spPr>
+        <p:txBody>
+          <a:bodyPr wrap="square" rtlCol="0">
+            <a:spAutoFit/>
+          </a:bodyPr>
+          <a:lstStyle/>
+          <a:p>
+            <a:r>
+              <a:rPr lang="en-US" sz="3600" b="1" dirty="0">
+                <a:solidFill>
+                  <a:srgbClr val="4472C4"/>
+                </a:solidFill>
+              </a:rPr>
+              <a:t>C</a:t>
+            </a:r>
+            <a:endParaRPr lang="en-CA" sz="3600" b="1" dirty="0">
+              <a:solidFill>
+                <a:srgbClr val="4472C4"/>
+              </a:solidFill>
+            </a:endParaRPr>
+          </a:p>
+        </p:txBody>
+      </p:sp>
+      <p:sp>
+        <p:nvSpPr>
+          <p:cNvPr id="17" name="Rectangle: Rounded Corners 16">
+            <a:extLst>
+              <a:ext uri="{FF2B5EF4-FFF2-40B4-BE49-F238E27FC236}">
+                <a16:creationId xmlns:a16="http://schemas.microsoft.com/office/drawing/2014/main" id="{C558ED50-8B1F-48AC-BCB2-3AD75A2EE2CD}"/>
+              </a:ext>
+            </a:extLst>
+          </p:cNvPr>
+          <p:cNvSpPr/>
+          <p:nvPr/>
+        </p:nvSpPr>
+        <p:spPr>
+          <a:xfrm>
+            <a:off x="4200104" y="5338476"/>
+            <a:ext cx="3574955" cy="699247"/>
+          </a:xfrm>
+          <a:prstGeom prst="roundRect">
+            <a:avLst/>
+          </a:prstGeom>
+          <a:solidFill>
+            <a:srgbClr val="FF0000"/>
+          </a:solidFill>
+        </p:spPr>
+        <p:style>
+          <a:lnRef idx="2">
+            <a:schemeClr val="accent1">
+              <a:shade val="50000"/>
+            </a:schemeClr>
+          </a:lnRef>
+          <a:fillRef idx="1">
+            <a:schemeClr val="accent1"/>
+          </a:fillRef>
+          <a:effectRef idx="0">
+            <a:schemeClr val="accent1"/>
+          </a:effectRef>
+          <a:fontRef idx="minor">
+            <a:schemeClr val="lt1"/>
+          </a:fontRef>
+        </p:style>
+        <p:txBody>
+          <a:bodyPr rtlCol="0" anchor="ctr"/>
+          <a:lstStyle/>
+          <a:p>
+            <a:pPr algn="ctr"/>
+            <a:endParaRPr lang="en-CA"/>
+          </a:p>
+        </p:txBody>
+      </p:sp>
+    </p:spTree>
+    <p:extLst>
+      <p:ext uri="{BB962C8B-B14F-4D97-AF65-F5344CB8AC3E}">
+        <p14:creationId xmlns:p14="http://schemas.microsoft.com/office/powerpoint/2010/main" val="3738901367"/>
+      </p:ext>
+    </p:extLst>
+  </p:cSld>
+  <p:clrMapOvr>
+    <a:masterClrMapping/>
+  </p:clrMapOvr>
+</p:sld>
+</file>
+
+<file path=ppt/slides/slide19.xml><?xml version="1.0" encoding="utf-8"?>
+<p:sld xmlns:a="http://schemas.openxmlformats.org/drawingml/2006/main" xmlns:r="http://schemas.openxmlformats.org/officeDocument/2006/relationships" xmlns:p="http://schemas.openxmlformats.org/presentationml/2006/main">
+  <p:cSld>
+    <p:spTree>
+      <p:nvGrpSpPr>
+        <p:cNvPr id="1" name=""/>
+        <p:cNvGrpSpPr/>
+        <p:nvPr/>
+      </p:nvGrpSpPr>
+      <p:grpSpPr>
+        <a:xfrm>
+          <a:off x="0" y="0"/>
+          <a:ext cx="0" cy="0"/>
+          <a:chOff x="0" y="0"/>
+          <a:chExt cx="0" cy="0"/>
+        </a:xfrm>
+      </p:grpSpPr>
+      <p:sp>
+        <p:nvSpPr>
+          <p:cNvPr id="5" name="Rectangle 4">
+            <a:extLst>
+              <a:ext uri="{FF2B5EF4-FFF2-40B4-BE49-F238E27FC236}">
+                <a16:creationId xmlns:a16="http://schemas.microsoft.com/office/drawing/2014/main" id="{B2CA91FE-BE58-45A7-BD2F-19D9D014B3EB}"/>
+              </a:ext>
+            </a:extLst>
+          </p:cNvPr>
+          <p:cNvSpPr/>
+          <p:nvPr/>
+        </p:nvSpPr>
+        <p:spPr>
+          <a:xfrm>
+            <a:off x="2675965" y="1021976"/>
+            <a:ext cx="215152" cy="5015753"/>
+          </a:xfrm>
+          <a:prstGeom prst="rect">
+            <a:avLst/>
+          </a:prstGeom>
+        </p:spPr>
+        <p:style>
+          <a:lnRef idx="2">
+            <a:schemeClr val="accent1">
+              <a:shade val="50000"/>
+            </a:schemeClr>
+          </a:lnRef>
+          <a:fillRef idx="1">
+            <a:schemeClr val="accent1"/>
+          </a:fillRef>
+          <a:effectRef idx="0">
+            <a:schemeClr val="accent1"/>
+          </a:effectRef>
+          <a:fontRef idx="minor">
+            <a:schemeClr val="lt1"/>
+          </a:fontRef>
+        </p:style>
+        <p:txBody>
+          <a:bodyPr rtlCol="0" anchor="ctr"/>
+          <a:lstStyle/>
+          <a:p>
+            <a:pPr algn="ctr"/>
+            <a:endParaRPr lang="en-CA"/>
+          </a:p>
+        </p:txBody>
+      </p:sp>
+      <p:sp>
+        <p:nvSpPr>
+          <p:cNvPr id="6" name="Rectangle 5">
+            <a:extLst>
+              <a:ext uri="{FF2B5EF4-FFF2-40B4-BE49-F238E27FC236}">
+                <a16:creationId xmlns:a16="http://schemas.microsoft.com/office/drawing/2014/main" id="{AE68E2F0-4FED-4BB5-B60D-1B95DCE5B1E8}"/>
+              </a:ext>
+            </a:extLst>
+          </p:cNvPr>
+          <p:cNvSpPr/>
+          <p:nvPr/>
+        </p:nvSpPr>
+        <p:spPr>
+          <a:xfrm>
+            <a:off x="5880847" y="1021976"/>
+            <a:ext cx="215152" cy="5015753"/>
+          </a:xfrm>
+          <a:prstGeom prst="rect">
+            <a:avLst/>
+          </a:prstGeom>
+        </p:spPr>
+        <p:style>
+          <a:lnRef idx="2">
+            <a:schemeClr val="accent1">
+              <a:shade val="50000"/>
+            </a:schemeClr>
+          </a:lnRef>
+          <a:fillRef idx="1">
+            <a:schemeClr val="accent1"/>
+          </a:fillRef>
+          <a:effectRef idx="0">
+            <a:schemeClr val="accent1"/>
+          </a:effectRef>
+          <a:fontRef idx="minor">
+            <a:schemeClr val="lt1"/>
+          </a:fontRef>
+        </p:style>
+        <p:txBody>
+          <a:bodyPr rtlCol="0" anchor="ctr"/>
+          <a:lstStyle/>
+          <a:p>
+            <a:pPr algn="ctr"/>
+            <a:endParaRPr lang="en-CA"/>
+          </a:p>
+        </p:txBody>
+      </p:sp>
+      <p:sp>
+        <p:nvSpPr>
+          <p:cNvPr id="7" name="Rectangle 6">
+            <a:extLst>
+              <a:ext uri="{FF2B5EF4-FFF2-40B4-BE49-F238E27FC236}">
+                <a16:creationId xmlns:a16="http://schemas.microsoft.com/office/drawing/2014/main" id="{02EECAB0-3C8F-40A7-9448-BAA00676BB83}"/>
+              </a:ext>
+            </a:extLst>
+          </p:cNvPr>
+          <p:cNvSpPr/>
+          <p:nvPr/>
+        </p:nvSpPr>
+        <p:spPr>
+          <a:xfrm>
+            <a:off x="9085729" y="1021975"/>
+            <a:ext cx="215152" cy="5015753"/>
+          </a:xfrm>
+          <a:prstGeom prst="rect">
+            <a:avLst/>
+          </a:prstGeom>
+        </p:spPr>
+        <p:style>
+          <a:lnRef idx="2">
+            <a:schemeClr val="accent1">
+              <a:shade val="50000"/>
+            </a:schemeClr>
+          </a:lnRef>
+          <a:fillRef idx="1">
+            <a:schemeClr val="accent1"/>
+          </a:fillRef>
+          <a:effectRef idx="0">
+            <a:schemeClr val="accent1"/>
+          </a:effectRef>
+          <a:fontRef idx="minor">
+            <a:schemeClr val="lt1"/>
+          </a:fontRef>
+        </p:style>
+        <p:txBody>
+          <a:bodyPr rtlCol="0" anchor="ctr"/>
+          <a:lstStyle/>
+          <a:p>
+            <a:pPr algn="ctr"/>
+            <a:endParaRPr lang="en-CA"/>
+          </a:p>
+        </p:txBody>
+      </p:sp>
+      <p:sp>
+        <p:nvSpPr>
+          <p:cNvPr id="10" name="Rectangle: Rounded Corners 9">
+            <a:extLst>
+              <a:ext uri="{FF2B5EF4-FFF2-40B4-BE49-F238E27FC236}">
+                <a16:creationId xmlns:a16="http://schemas.microsoft.com/office/drawing/2014/main" id="{792834DD-D8C6-4CFB-A388-AFE06B37D359}"/>
+              </a:ext>
+            </a:extLst>
+          </p:cNvPr>
+          <p:cNvSpPr/>
+          <p:nvPr/>
+        </p:nvSpPr>
+        <p:spPr>
+          <a:xfrm>
+            <a:off x="4636151" y="4639227"/>
+            <a:ext cx="2702859" cy="699247"/>
+          </a:xfrm>
+          <a:prstGeom prst="roundRect">
+            <a:avLst/>
+          </a:prstGeom>
+          <a:solidFill>
+            <a:srgbClr val="92D050"/>
+          </a:solidFill>
+        </p:spPr>
+        <p:style>
+          <a:lnRef idx="2">
+            <a:schemeClr val="accent1">
+              <a:shade val="50000"/>
+            </a:schemeClr>
+          </a:lnRef>
+          <a:fillRef idx="1">
+            <a:schemeClr val="accent1"/>
+          </a:fillRef>
+          <a:effectRef idx="0">
+            <a:schemeClr val="accent1"/>
+          </a:effectRef>
+          <a:fontRef idx="minor">
+            <a:schemeClr val="lt1"/>
+          </a:fontRef>
+        </p:style>
+        <p:txBody>
+          <a:bodyPr rtlCol="0" anchor="ctr"/>
+          <a:lstStyle/>
+          <a:p>
+            <a:pPr algn="ctr"/>
+            <a:endParaRPr lang="en-CA"/>
+          </a:p>
+        </p:txBody>
+      </p:sp>
+      <p:sp>
+        <p:nvSpPr>
+          <p:cNvPr id="11" name="Rectangle: Rounded Corners 10">
+            <a:extLst>
+              <a:ext uri="{FF2B5EF4-FFF2-40B4-BE49-F238E27FC236}">
+                <a16:creationId xmlns:a16="http://schemas.microsoft.com/office/drawing/2014/main" id="{ADE5243D-646B-4218-A8B5-3A4B0A28FC2E}"/>
+              </a:ext>
+            </a:extLst>
+          </p:cNvPr>
+          <p:cNvSpPr/>
+          <p:nvPr/>
+        </p:nvSpPr>
+        <p:spPr>
+          <a:xfrm>
+            <a:off x="5089989" y="3939974"/>
+            <a:ext cx="1795182" cy="699247"/>
+          </a:xfrm>
+          <a:prstGeom prst="roundRect">
+            <a:avLst/>
+          </a:prstGeom>
+          <a:solidFill>
+            <a:srgbClr val="00B0F0"/>
+          </a:solidFill>
+        </p:spPr>
+        <p:style>
+          <a:lnRef idx="2">
+            <a:schemeClr val="accent1">
+              <a:shade val="50000"/>
+            </a:schemeClr>
+          </a:lnRef>
+          <a:fillRef idx="1">
+            <a:schemeClr val="accent1"/>
+          </a:fillRef>
+          <a:effectRef idx="0">
+            <a:schemeClr val="accent1"/>
+          </a:effectRef>
+          <a:fontRef idx="minor">
+            <a:schemeClr val="lt1"/>
+          </a:fontRef>
+        </p:style>
+        <p:txBody>
+          <a:bodyPr rtlCol="0" anchor="ctr"/>
+          <a:lstStyle/>
+          <a:p>
+            <a:pPr algn="ctr"/>
+            <a:endParaRPr lang="en-CA"/>
+          </a:p>
+        </p:txBody>
+      </p:sp>
+      <p:sp>
+        <p:nvSpPr>
+          <p:cNvPr id="12" name="Rectangle: Rounded Corners 11">
+            <a:extLst>
+              <a:ext uri="{FF2B5EF4-FFF2-40B4-BE49-F238E27FC236}">
+                <a16:creationId xmlns:a16="http://schemas.microsoft.com/office/drawing/2014/main" id="{725387ED-A54B-4D7F-A6B5-8D190E753020}"/>
+              </a:ext>
+            </a:extLst>
+          </p:cNvPr>
+          <p:cNvSpPr/>
+          <p:nvPr/>
+        </p:nvSpPr>
+        <p:spPr>
+          <a:xfrm>
+            <a:off x="8675593" y="5338474"/>
+            <a:ext cx="1035423" cy="699247"/>
+          </a:xfrm>
+          <a:prstGeom prst="roundRect">
+            <a:avLst/>
+          </a:prstGeom>
+          <a:solidFill>
+            <a:srgbClr val="FFC000"/>
+          </a:solidFill>
+        </p:spPr>
+        <p:style>
+          <a:lnRef idx="2">
+            <a:schemeClr val="accent1">
+              <a:shade val="50000"/>
+            </a:schemeClr>
+          </a:lnRef>
+          <a:fillRef idx="1">
+            <a:schemeClr val="accent1"/>
+          </a:fillRef>
+          <a:effectRef idx="0">
+            <a:schemeClr val="accent1"/>
+          </a:effectRef>
+          <a:fontRef idx="minor">
+            <a:schemeClr val="lt1"/>
+          </a:fontRef>
+        </p:style>
+        <p:txBody>
+          <a:bodyPr rtlCol="0" anchor="ctr"/>
+          <a:lstStyle/>
+          <a:p>
+            <a:pPr algn="ctr"/>
+            <a:endParaRPr lang="en-CA"/>
+          </a:p>
+        </p:txBody>
+      </p:sp>
+      <p:sp>
+        <p:nvSpPr>
+          <p:cNvPr id="14" name="TextBox 13">
+            <a:extLst>
+              <a:ext uri="{FF2B5EF4-FFF2-40B4-BE49-F238E27FC236}">
+                <a16:creationId xmlns:a16="http://schemas.microsoft.com/office/drawing/2014/main" id="{C4774B56-5CFB-4AA3-93FA-ED98D157EA6B}"/>
+              </a:ext>
+            </a:extLst>
+          </p:cNvPr>
+          <p:cNvSpPr txBox="1"/>
+          <p:nvPr/>
+        </p:nvSpPr>
+        <p:spPr>
+          <a:xfrm>
+            <a:off x="2542334" y="375644"/>
+            <a:ext cx="482414" cy="646331"/>
+          </a:xfrm>
+          <a:prstGeom prst="rect">
+            <a:avLst/>
+          </a:prstGeom>
+          <a:noFill/>
+        </p:spPr>
+        <p:txBody>
+          <a:bodyPr wrap="square" rtlCol="0">
+            <a:spAutoFit/>
+          </a:bodyPr>
+          <a:lstStyle/>
+          <a:p>
+            <a:r>
+              <a:rPr lang="en-US" sz="3600" b="1" dirty="0">
+                <a:solidFill>
+                  <a:srgbClr val="4472C4"/>
+                </a:solidFill>
+              </a:rPr>
+              <a:t>A</a:t>
+            </a:r>
+            <a:endParaRPr lang="en-CA" sz="3600" b="1" dirty="0">
+              <a:solidFill>
+                <a:srgbClr val="4472C4"/>
+              </a:solidFill>
+            </a:endParaRPr>
+          </a:p>
+        </p:txBody>
+      </p:sp>
+      <p:sp>
+        <p:nvSpPr>
+          <p:cNvPr id="15" name="TextBox 14">
+            <a:extLst>
+              <a:ext uri="{FF2B5EF4-FFF2-40B4-BE49-F238E27FC236}">
+                <a16:creationId xmlns:a16="http://schemas.microsoft.com/office/drawing/2014/main" id="{A4C14198-127E-4852-96E1-CED34D6A21C2}"/>
+              </a:ext>
+            </a:extLst>
+          </p:cNvPr>
+          <p:cNvSpPr txBox="1"/>
+          <p:nvPr/>
+        </p:nvSpPr>
+        <p:spPr>
+          <a:xfrm>
+            <a:off x="5747216" y="375643"/>
+            <a:ext cx="482414" cy="646331"/>
+          </a:xfrm>
+          <a:prstGeom prst="rect">
+            <a:avLst/>
+          </a:prstGeom>
+          <a:noFill/>
+        </p:spPr>
+        <p:txBody>
+          <a:bodyPr wrap="square" rtlCol="0">
+            <a:spAutoFit/>
+          </a:bodyPr>
+          <a:lstStyle/>
+          <a:p>
+            <a:r>
+              <a:rPr lang="en-US" sz="3600" b="1" dirty="0">
+                <a:solidFill>
+                  <a:srgbClr val="4472C4"/>
+                </a:solidFill>
+              </a:rPr>
+              <a:t>B</a:t>
+            </a:r>
+            <a:endParaRPr lang="en-CA" sz="3600" b="1" dirty="0">
+              <a:solidFill>
+                <a:srgbClr val="4472C4"/>
+              </a:solidFill>
+            </a:endParaRPr>
+          </a:p>
+        </p:txBody>
+      </p:sp>
+      <p:sp>
+        <p:nvSpPr>
+          <p:cNvPr id="16" name="TextBox 15">
+            <a:extLst>
+              <a:ext uri="{FF2B5EF4-FFF2-40B4-BE49-F238E27FC236}">
+                <a16:creationId xmlns:a16="http://schemas.microsoft.com/office/drawing/2014/main" id="{B6434293-2B82-4C44-8283-F14D593D20E2}"/>
+              </a:ext>
+            </a:extLst>
+          </p:cNvPr>
+          <p:cNvSpPr txBox="1"/>
+          <p:nvPr/>
+        </p:nvSpPr>
+        <p:spPr>
+          <a:xfrm>
+            <a:off x="8952098" y="407017"/>
+            <a:ext cx="482414" cy="646331"/>
+          </a:xfrm>
+          <a:prstGeom prst="rect">
+            <a:avLst/>
+          </a:prstGeom>
+          <a:noFill/>
+        </p:spPr>
+        <p:txBody>
+          <a:bodyPr wrap="square" rtlCol="0">
+            <a:spAutoFit/>
+          </a:bodyPr>
+          <a:lstStyle/>
+          <a:p>
+            <a:r>
+              <a:rPr lang="en-US" sz="3600" b="1" dirty="0">
+                <a:solidFill>
+                  <a:srgbClr val="4472C4"/>
+                </a:solidFill>
+              </a:rPr>
+              <a:t>C</a:t>
+            </a:r>
+            <a:endParaRPr lang="en-CA" sz="3600" b="1" dirty="0">
+              <a:solidFill>
+                <a:srgbClr val="4472C4"/>
+              </a:solidFill>
+            </a:endParaRPr>
+          </a:p>
+        </p:txBody>
+      </p:sp>
+      <p:sp>
+        <p:nvSpPr>
+          <p:cNvPr id="17" name="Rectangle: Rounded Corners 16">
+            <a:extLst>
+              <a:ext uri="{FF2B5EF4-FFF2-40B4-BE49-F238E27FC236}">
+                <a16:creationId xmlns:a16="http://schemas.microsoft.com/office/drawing/2014/main" id="{C558ED50-8B1F-48AC-BCB2-3AD75A2EE2CD}"/>
+              </a:ext>
+            </a:extLst>
+          </p:cNvPr>
+          <p:cNvSpPr/>
+          <p:nvPr/>
+        </p:nvSpPr>
+        <p:spPr>
+          <a:xfrm>
+            <a:off x="4200104" y="5338476"/>
+            <a:ext cx="3574955" cy="699247"/>
+          </a:xfrm>
+          <a:prstGeom prst="roundRect">
+            <a:avLst/>
+          </a:prstGeom>
+          <a:solidFill>
+            <a:srgbClr val="FF0000"/>
+          </a:solidFill>
+        </p:spPr>
+        <p:style>
+          <a:lnRef idx="2">
+            <a:schemeClr val="accent1">
+              <a:shade val="50000"/>
+            </a:schemeClr>
+          </a:lnRef>
+          <a:fillRef idx="1">
+            <a:schemeClr val="accent1"/>
+          </a:fillRef>
+          <a:effectRef idx="0">
+            <a:schemeClr val="accent1"/>
+          </a:effectRef>
+          <a:fontRef idx="minor">
+            <a:schemeClr val="lt1"/>
+          </a:fontRef>
+        </p:style>
+        <p:txBody>
+          <a:bodyPr rtlCol="0" anchor="ctr"/>
+          <a:lstStyle/>
+          <a:p>
+            <a:pPr algn="ctr"/>
+            <a:endParaRPr lang="en-CA"/>
+          </a:p>
+        </p:txBody>
+      </p:sp>
+    </p:spTree>
+    <p:extLst>
+      <p:ext uri="{BB962C8B-B14F-4D97-AF65-F5344CB8AC3E}">
+        <p14:creationId xmlns:p14="http://schemas.microsoft.com/office/powerpoint/2010/main" val="4258291544"/>
       </p:ext>
     </p:extLst>
   </p:cSld>
@@ -7477,7 +8974,7 @@
         </p:nvSpPr>
         <p:spPr>
           <a:xfrm>
-            <a:off x="1432112" y="4639233"/>
+            <a:off x="7841875" y="5338477"/>
             <a:ext cx="2702859" cy="699247"/>
           </a:xfrm>
           <a:prstGeom prst="roundRect">
@@ -7526,7 +9023,7 @@
         </p:nvSpPr>
         <p:spPr>
           <a:xfrm>
-            <a:off x="1885950" y="3939985"/>
+            <a:off x="8295713" y="4639229"/>
             <a:ext cx="1795182" cy="699247"/>
           </a:xfrm>
           <a:prstGeom prst="roundRect">
@@ -7575,7 +9072,7 @@
         </p:nvSpPr>
         <p:spPr>
           <a:xfrm>
-            <a:off x="8675593" y="5338478"/>
+            <a:off x="8675592" y="3939978"/>
             <a:ext cx="1035423" cy="699247"/>
           </a:xfrm>
           <a:prstGeom prst="roundRect">
@@ -7794,7 +9291,503 @@
     </p:spTree>
     <p:extLst>
       <p:ext uri="{BB962C8B-B14F-4D97-AF65-F5344CB8AC3E}">
-        <p14:creationId xmlns:p14="http://schemas.microsoft.com/office/powerpoint/2010/main" val="1469577587"/>
+        <p14:creationId xmlns:p14="http://schemas.microsoft.com/office/powerpoint/2010/main" val="909461583"/>
+      </p:ext>
+    </p:extLst>
+  </p:cSld>
+  <p:clrMapOvr>
+    <a:masterClrMapping/>
+  </p:clrMapOvr>
+</p:sld>
+</file>
+
+<file path=ppt/slides/slide20.xml><?xml version="1.0" encoding="utf-8"?>
+<p:sld xmlns:a="http://schemas.openxmlformats.org/drawingml/2006/main" xmlns:r="http://schemas.openxmlformats.org/officeDocument/2006/relationships" xmlns:p="http://schemas.openxmlformats.org/presentationml/2006/main">
+  <p:cSld>
+    <p:spTree>
+      <p:nvGrpSpPr>
+        <p:cNvPr id="1" name=""/>
+        <p:cNvGrpSpPr/>
+        <p:nvPr/>
+      </p:nvGrpSpPr>
+      <p:grpSpPr>
+        <a:xfrm>
+          <a:off x="0" y="0"/>
+          <a:ext cx="0" cy="0"/>
+          <a:chOff x="0" y="0"/>
+          <a:chExt cx="0" cy="0"/>
+        </a:xfrm>
+      </p:grpSpPr>
+      <p:sp>
+        <p:nvSpPr>
+          <p:cNvPr id="5" name="Rectangle 4">
+            <a:extLst>
+              <a:ext uri="{FF2B5EF4-FFF2-40B4-BE49-F238E27FC236}">
+                <a16:creationId xmlns:a16="http://schemas.microsoft.com/office/drawing/2014/main" id="{B2CA91FE-BE58-45A7-BD2F-19D9D014B3EB}"/>
+              </a:ext>
+            </a:extLst>
+          </p:cNvPr>
+          <p:cNvSpPr/>
+          <p:nvPr/>
+        </p:nvSpPr>
+        <p:spPr>
+          <a:xfrm>
+            <a:off x="2675965" y="1021976"/>
+            <a:ext cx="215152" cy="5015753"/>
+          </a:xfrm>
+          <a:prstGeom prst="rect">
+            <a:avLst/>
+          </a:prstGeom>
+        </p:spPr>
+        <p:style>
+          <a:lnRef idx="2">
+            <a:schemeClr val="accent1">
+              <a:shade val="50000"/>
+            </a:schemeClr>
+          </a:lnRef>
+          <a:fillRef idx="1">
+            <a:schemeClr val="accent1"/>
+          </a:fillRef>
+          <a:effectRef idx="0">
+            <a:schemeClr val="accent1"/>
+          </a:effectRef>
+          <a:fontRef idx="minor">
+            <a:schemeClr val="lt1"/>
+          </a:fontRef>
+        </p:style>
+        <p:txBody>
+          <a:bodyPr rtlCol="0" anchor="ctr"/>
+          <a:lstStyle/>
+          <a:p>
+            <a:pPr algn="ctr"/>
+            <a:endParaRPr lang="en-CA"/>
+          </a:p>
+        </p:txBody>
+      </p:sp>
+      <p:sp>
+        <p:nvSpPr>
+          <p:cNvPr id="6" name="Rectangle 5">
+            <a:extLst>
+              <a:ext uri="{FF2B5EF4-FFF2-40B4-BE49-F238E27FC236}">
+                <a16:creationId xmlns:a16="http://schemas.microsoft.com/office/drawing/2014/main" id="{AE68E2F0-4FED-4BB5-B60D-1B95DCE5B1E8}"/>
+              </a:ext>
+            </a:extLst>
+          </p:cNvPr>
+          <p:cNvSpPr/>
+          <p:nvPr/>
+        </p:nvSpPr>
+        <p:spPr>
+          <a:xfrm>
+            <a:off x="5880847" y="1021976"/>
+            <a:ext cx="215152" cy="5015753"/>
+          </a:xfrm>
+          <a:prstGeom prst="rect">
+            <a:avLst/>
+          </a:prstGeom>
+        </p:spPr>
+        <p:style>
+          <a:lnRef idx="2">
+            <a:schemeClr val="accent1">
+              <a:shade val="50000"/>
+            </a:schemeClr>
+          </a:lnRef>
+          <a:fillRef idx="1">
+            <a:schemeClr val="accent1"/>
+          </a:fillRef>
+          <a:effectRef idx="0">
+            <a:schemeClr val="accent1"/>
+          </a:effectRef>
+          <a:fontRef idx="minor">
+            <a:schemeClr val="lt1"/>
+          </a:fontRef>
+        </p:style>
+        <p:txBody>
+          <a:bodyPr rtlCol="0" anchor="ctr"/>
+          <a:lstStyle/>
+          <a:p>
+            <a:pPr algn="ctr"/>
+            <a:endParaRPr lang="en-CA"/>
+          </a:p>
+        </p:txBody>
+      </p:sp>
+      <p:sp>
+        <p:nvSpPr>
+          <p:cNvPr id="7" name="Rectangle 6">
+            <a:extLst>
+              <a:ext uri="{FF2B5EF4-FFF2-40B4-BE49-F238E27FC236}">
+                <a16:creationId xmlns:a16="http://schemas.microsoft.com/office/drawing/2014/main" id="{02EECAB0-3C8F-40A7-9448-BAA00676BB83}"/>
+              </a:ext>
+            </a:extLst>
+          </p:cNvPr>
+          <p:cNvSpPr/>
+          <p:nvPr/>
+        </p:nvSpPr>
+        <p:spPr>
+          <a:xfrm>
+            <a:off x="9085729" y="1021975"/>
+            <a:ext cx="215152" cy="5015753"/>
+          </a:xfrm>
+          <a:prstGeom prst="rect">
+            <a:avLst/>
+          </a:prstGeom>
+        </p:spPr>
+        <p:style>
+          <a:lnRef idx="2">
+            <a:schemeClr val="accent1">
+              <a:shade val="50000"/>
+            </a:schemeClr>
+          </a:lnRef>
+          <a:fillRef idx="1">
+            <a:schemeClr val="accent1"/>
+          </a:fillRef>
+          <a:effectRef idx="0">
+            <a:schemeClr val="accent1"/>
+          </a:effectRef>
+          <a:fontRef idx="minor">
+            <a:schemeClr val="lt1"/>
+          </a:fontRef>
+        </p:style>
+        <p:txBody>
+          <a:bodyPr rtlCol="0" anchor="ctr"/>
+          <a:lstStyle/>
+          <a:p>
+            <a:pPr algn="ctr"/>
+            <a:endParaRPr lang="en-CA"/>
+          </a:p>
+        </p:txBody>
+      </p:sp>
+      <p:sp>
+        <p:nvSpPr>
+          <p:cNvPr id="10" name="Rectangle: Rounded Corners 9">
+            <a:extLst>
+              <a:ext uri="{FF2B5EF4-FFF2-40B4-BE49-F238E27FC236}">
+                <a16:creationId xmlns:a16="http://schemas.microsoft.com/office/drawing/2014/main" id="{792834DD-D8C6-4CFB-A388-AFE06B37D359}"/>
+              </a:ext>
+            </a:extLst>
+          </p:cNvPr>
+          <p:cNvSpPr/>
+          <p:nvPr/>
+        </p:nvSpPr>
+        <p:spPr>
+          <a:xfrm>
+            <a:off x="4636151" y="4639227"/>
+            <a:ext cx="2702859" cy="699247"/>
+          </a:xfrm>
+          <a:prstGeom prst="roundRect">
+            <a:avLst/>
+          </a:prstGeom>
+          <a:solidFill>
+            <a:srgbClr val="92D050"/>
+          </a:solidFill>
+        </p:spPr>
+        <p:style>
+          <a:lnRef idx="2">
+            <a:schemeClr val="accent1">
+              <a:shade val="50000"/>
+            </a:schemeClr>
+          </a:lnRef>
+          <a:fillRef idx="1">
+            <a:schemeClr val="accent1"/>
+          </a:fillRef>
+          <a:effectRef idx="0">
+            <a:schemeClr val="accent1"/>
+          </a:effectRef>
+          <a:fontRef idx="minor">
+            <a:schemeClr val="lt1"/>
+          </a:fontRef>
+        </p:style>
+        <p:txBody>
+          <a:bodyPr rtlCol="0" anchor="ctr"/>
+          <a:lstStyle/>
+          <a:p>
+            <a:pPr algn="ctr"/>
+            <a:endParaRPr lang="en-CA"/>
+          </a:p>
+        </p:txBody>
+      </p:sp>
+      <p:sp>
+        <p:nvSpPr>
+          <p:cNvPr id="11" name="Rectangle: Rounded Corners 10">
+            <a:extLst>
+              <a:ext uri="{FF2B5EF4-FFF2-40B4-BE49-F238E27FC236}">
+                <a16:creationId xmlns:a16="http://schemas.microsoft.com/office/drawing/2014/main" id="{ADE5243D-646B-4218-A8B5-3A4B0A28FC2E}"/>
+              </a:ext>
+            </a:extLst>
+          </p:cNvPr>
+          <p:cNvSpPr/>
+          <p:nvPr/>
+        </p:nvSpPr>
+        <p:spPr>
+          <a:xfrm>
+            <a:off x="5089989" y="3939974"/>
+            <a:ext cx="1795182" cy="699247"/>
+          </a:xfrm>
+          <a:prstGeom prst="roundRect">
+            <a:avLst/>
+          </a:prstGeom>
+          <a:solidFill>
+            <a:srgbClr val="00B0F0"/>
+          </a:solidFill>
+        </p:spPr>
+        <p:style>
+          <a:lnRef idx="2">
+            <a:schemeClr val="accent1">
+              <a:shade val="50000"/>
+            </a:schemeClr>
+          </a:lnRef>
+          <a:fillRef idx="1">
+            <a:schemeClr val="accent1"/>
+          </a:fillRef>
+          <a:effectRef idx="0">
+            <a:schemeClr val="accent1"/>
+          </a:effectRef>
+          <a:fontRef idx="minor">
+            <a:schemeClr val="lt1"/>
+          </a:fontRef>
+        </p:style>
+        <p:txBody>
+          <a:bodyPr rtlCol="0" anchor="ctr"/>
+          <a:lstStyle/>
+          <a:p>
+            <a:pPr algn="ctr"/>
+            <a:endParaRPr lang="en-CA"/>
+          </a:p>
+        </p:txBody>
+      </p:sp>
+      <p:sp>
+        <p:nvSpPr>
+          <p:cNvPr id="12" name="Rectangle: Rounded Corners 11">
+            <a:extLst>
+              <a:ext uri="{FF2B5EF4-FFF2-40B4-BE49-F238E27FC236}">
+                <a16:creationId xmlns:a16="http://schemas.microsoft.com/office/drawing/2014/main" id="{725387ED-A54B-4D7F-A6B5-8D190E753020}"/>
+              </a:ext>
+            </a:extLst>
+          </p:cNvPr>
+          <p:cNvSpPr/>
+          <p:nvPr/>
+        </p:nvSpPr>
+        <p:spPr>
+          <a:xfrm>
+            <a:off x="5469868" y="3240724"/>
+            <a:ext cx="1035423" cy="699247"/>
+          </a:xfrm>
+          <a:prstGeom prst="roundRect">
+            <a:avLst/>
+          </a:prstGeom>
+          <a:solidFill>
+            <a:srgbClr val="FFC000"/>
+          </a:solidFill>
+        </p:spPr>
+        <p:style>
+          <a:lnRef idx="2">
+            <a:schemeClr val="accent1">
+              <a:shade val="50000"/>
+            </a:schemeClr>
+          </a:lnRef>
+          <a:fillRef idx="1">
+            <a:schemeClr val="accent1"/>
+          </a:fillRef>
+          <a:effectRef idx="0">
+            <a:schemeClr val="accent1"/>
+          </a:effectRef>
+          <a:fontRef idx="minor">
+            <a:schemeClr val="lt1"/>
+          </a:fontRef>
+        </p:style>
+        <p:txBody>
+          <a:bodyPr rtlCol="0" anchor="ctr"/>
+          <a:lstStyle/>
+          <a:p>
+            <a:pPr algn="ctr"/>
+            <a:endParaRPr lang="en-CA"/>
+          </a:p>
+        </p:txBody>
+      </p:sp>
+      <p:sp>
+        <p:nvSpPr>
+          <p:cNvPr id="14" name="TextBox 13">
+            <a:extLst>
+              <a:ext uri="{FF2B5EF4-FFF2-40B4-BE49-F238E27FC236}">
+                <a16:creationId xmlns:a16="http://schemas.microsoft.com/office/drawing/2014/main" id="{C4774B56-5CFB-4AA3-93FA-ED98D157EA6B}"/>
+              </a:ext>
+            </a:extLst>
+          </p:cNvPr>
+          <p:cNvSpPr txBox="1"/>
+          <p:nvPr/>
+        </p:nvSpPr>
+        <p:spPr>
+          <a:xfrm>
+            <a:off x="2542334" y="375644"/>
+            <a:ext cx="482414" cy="646331"/>
+          </a:xfrm>
+          <a:prstGeom prst="rect">
+            <a:avLst/>
+          </a:prstGeom>
+          <a:noFill/>
+        </p:spPr>
+        <p:txBody>
+          <a:bodyPr wrap="square" rtlCol="0">
+            <a:spAutoFit/>
+          </a:bodyPr>
+          <a:lstStyle/>
+          <a:p>
+            <a:r>
+              <a:rPr lang="en-US" sz="3600" b="1" dirty="0">
+                <a:solidFill>
+                  <a:srgbClr val="4472C4"/>
+                </a:solidFill>
+              </a:rPr>
+              <a:t>A</a:t>
+            </a:r>
+            <a:endParaRPr lang="en-CA" sz="3600" b="1" dirty="0">
+              <a:solidFill>
+                <a:srgbClr val="4472C4"/>
+              </a:solidFill>
+            </a:endParaRPr>
+          </a:p>
+        </p:txBody>
+      </p:sp>
+      <p:sp>
+        <p:nvSpPr>
+          <p:cNvPr id="15" name="TextBox 14">
+            <a:extLst>
+              <a:ext uri="{FF2B5EF4-FFF2-40B4-BE49-F238E27FC236}">
+                <a16:creationId xmlns:a16="http://schemas.microsoft.com/office/drawing/2014/main" id="{A4C14198-127E-4852-96E1-CED34D6A21C2}"/>
+              </a:ext>
+            </a:extLst>
+          </p:cNvPr>
+          <p:cNvSpPr txBox="1"/>
+          <p:nvPr/>
+        </p:nvSpPr>
+        <p:spPr>
+          <a:xfrm>
+            <a:off x="5747216" y="375643"/>
+            <a:ext cx="482414" cy="646331"/>
+          </a:xfrm>
+          <a:prstGeom prst="rect">
+            <a:avLst/>
+          </a:prstGeom>
+          <a:noFill/>
+        </p:spPr>
+        <p:txBody>
+          <a:bodyPr wrap="square" rtlCol="0">
+            <a:spAutoFit/>
+          </a:bodyPr>
+          <a:lstStyle/>
+          <a:p>
+            <a:r>
+              <a:rPr lang="en-US" sz="3600" b="1" dirty="0">
+                <a:solidFill>
+                  <a:srgbClr val="4472C4"/>
+                </a:solidFill>
+              </a:rPr>
+              <a:t>B</a:t>
+            </a:r>
+            <a:endParaRPr lang="en-CA" sz="3600" b="1" dirty="0">
+              <a:solidFill>
+                <a:srgbClr val="4472C4"/>
+              </a:solidFill>
+            </a:endParaRPr>
+          </a:p>
+        </p:txBody>
+      </p:sp>
+      <p:sp>
+        <p:nvSpPr>
+          <p:cNvPr id="16" name="TextBox 15">
+            <a:extLst>
+              <a:ext uri="{FF2B5EF4-FFF2-40B4-BE49-F238E27FC236}">
+                <a16:creationId xmlns:a16="http://schemas.microsoft.com/office/drawing/2014/main" id="{B6434293-2B82-4C44-8283-F14D593D20E2}"/>
+              </a:ext>
+            </a:extLst>
+          </p:cNvPr>
+          <p:cNvSpPr txBox="1"/>
+          <p:nvPr/>
+        </p:nvSpPr>
+        <p:spPr>
+          <a:xfrm>
+            <a:off x="8952098" y="407017"/>
+            <a:ext cx="482414" cy="646331"/>
+          </a:xfrm>
+          <a:prstGeom prst="rect">
+            <a:avLst/>
+          </a:prstGeom>
+          <a:noFill/>
+        </p:spPr>
+        <p:txBody>
+          <a:bodyPr wrap="square" rtlCol="0">
+            <a:spAutoFit/>
+          </a:bodyPr>
+          <a:lstStyle/>
+          <a:p>
+            <a:r>
+              <a:rPr lang="en-US" sz="3600" b="1" dirty="0">
+                <a:solidFill>
+                  <a:srgbClr val="4472C4"/>
+                </a:solidFill>
+              </a:rPr>
+              <a:t>C</a:t>
+            </a:r>
+            <a:endParaRPr lang="en-CA" sz="3600" b="1" dirty="0">
+              <a:solidFill>
+                <a:srgbClr val="4472C4"/>
+              </a:solidFill>
+            </a:endParaRPr>
+          </a:p>
+        </p:txBody>
+      </p:sp>
+      <p:sp>
+        <p:nvSpPr>
+          <p:cNvPr id="17" name="Rectangle: Rounded Corners 16">
+            <a:extLst>
+              <a:ext uri="{FF2B5EF4-FFF2-40B4-BE49-F238E27FC236}">
+                <a16:creationId xmlns:a16="http://schemas.microsoft.com/office/drawing/2014/main" id="{C558ED50-8B1F-48AC-BCB2-3AD75A2EE2CD}"/>
+              </a:ext>
+            </a:extLst>
+          </p:cNvPr>
+          <p:cNvSpPr/>
+          <p:nvPr/>
+        </p:nvSpPr>
+        <p:spPr>
+          <a:xfrm>
+            <a:off x="4200104" y="5338476"/>
+            <a:ext cx="3574955" cy="699247"/>
+          </a:xfrm>
+          <a:prstGeom prst="roundRect">
+            <a:avLst/>
+          </a:prstGeom>
+          <a:solidFill>
+            <a:srgbClr val="FF0000"/>
+          </a:solidFill>
+        </p:spPr>
+        <p:style>
+          <a:lnRef idx="2">
+            <a:schemeClr val="accent1">
+              <a:shade val="50000"/>
+            </a:schemeClr>
+          </a:lnRef>
+          <a:fillRef idx="1">
+            <a:schemeClr val="accent1"/>
+          </a:fillRef>
+          <a:effectRef idx="0">
+            <a:schemeClr val="accent1"/>
+          </a:effectRef>
+          <a:fontRef idx="minor">
+            <a:schemeClr val="lt1"/>
+          </a:fontRef>
+        </p:style>
+        <p:txBody>
+          <a:bodyPr rtlCol="0" anchor="ctr"/>
+          <a:lstStyle/>
+          <a:p>
+            <a:pPr algn="ctr"/>
+            <a:endParaRPr lang="en-CA"/>
+          </a:p>
+        </p:txBody>
+      </p:sp>
+    </p:spTree>
+    <p:extLst>
+      <p:ext uri="{BB962C8B-B14F-4D97-AF65-F5344CB8AC3E}">
+        <p14:creationId xmlns:p14="http://schemas.microsoft.com/office/powerpoint/2010/main" val="1493198643"/>
       </p:ext>
     </p:extLst>
   </p:cSld>
@@ -7973,7 +9966,7 @@
         </p:nvSpPr>
         <p:spPr>
           <a:xfrm>
-            <a:off x="1432112" y="4639233"/>
+            <a:off x="7841875" y="5338477"/>
             <a:ext cx="2702859" cy="699247"/>
           </a:xfrm>
           <a:prstGeom prst="roundRect">
@@ -8022,7 +10015,7 @@
         </p:nvSpPr>
         <p:spPr>
           <a:xfrm>
-            <a:off x="5090832" y="5338477"/>
+            <a:off x="8295713" y="4639229"/>
             <a:ext cx="1795182" cy="699247"/>
           </a:xfrm>
           <a:prstGeom prst="roundRect">
@@ -8071,7 +10064,7 @@
         </p:nvSpPr>
         <p:spPr>
           <a:xfrm>
-            <a:off x="8675593" y="5338478"/>
+            <a:off x="8675592" y="3939978"/>
             <a:ext cx="1035423" cy="699247"/>
           </a:xfrm>
           <a:prstGeom prst="roundRect">
@@ -8252,7 +10245,7 @@
         </p:nvSpPr>
         <p:spPr>
           <a:xfrm>
-            <a:off x="994662" y="5338479"/>
+            <a:off x="4200104" y="5338476"/>
             <a:ext cx="3574955" cy="699247"/>
           </a:xfrm>
           <a:prstGeom prst="roundRect">
@@ -8290,7 +10283,7 @@
     </p:spTree>
     <p:extLst>
       <p:ext uri="{BB962C8B-B14F-4D97-AF65-F5344CB8AC3E}">
-        <p14:creationId xmlns:p14="http://schemas.microsoft.com/office/powerpoint/2010/main" val="2156573559"/>
+        <p14:creationId xmlns:p14="http://schemas.microsoft.com/office/powerpoint/2010/main" val="1813683424"/>
       </p:ext>
     </p:extLst>
   </p:cSld>
@@ -8469,7 +10462,7 @@
         </p:nvSpPr>
         <p:spPr>
           <a:xfrm>
-            <a:off x="1432112" y="4639233"/>
+            <a:off x="4636151" y="4639227"/>
             <a:ext cx="2702859" cy="699247"/>
           </a:xfrm>
           <a:prstGeom prst="roundRect">
@@ -8518,7 +10511,7 @@
         </p:nvSpPr>
         <p:spPr>
           <a:xfrm>
-            <a:off x="5090832" y="5338477"/>
+            <a:off x="5089989" y="3939974"/>
             <a:ext cx="1795182" cy="699247"/>
           </a:xfrm>
           <a:prstGeom prst="roundRect">
@@ -8567,7 +10560,7 @@
         </p:nvSpPr>
         <p:spPr>
           <a:xfrm>
-            <a:off x="5470711" y="4639225"/>
+            <a:off x="5469868" y="3240724"/>
             <a:ext cx="1035423" cy="699247"/>
           </a:xfrm>
           <a:prstGeom prst="roundRect">
@@ -8748,7 +10741,7 @@
         </p:nvSpPr>
         <p:spPr>
           <a:xfrm>
-            <a:off x="994662" y="5338479"/>
+            <a:off x="4200104" y="5338476"/>
             <a:ext cx="3574955" cy="699247"/>
           </a:xfrm>
           <a:prstGeom prst="roundRect">
@@ -8786,7 +10779,7 @@
     </p:spTree>
     <p:extLst>
       <p:ext uri="{BB962C8B-B14F-4D97-AF65-F5344CB8AC3E}">
-        <p14:creationId xmlns:p14="http://schemas.microsoft.com/office/powerpoint/2010/main" val="4116680907"/>
+        <p14:creationId xmlns:p14="http://schemas.microsoft.com/office/powerpoint/2010/main" val="2110019922"/>
       </p:ext>
     </p:extLst>
   </p:cSld>
@@ -8965,7 +10958,7 @@
         </p:nvSpPr>
         <p:spPr>
           <a:xfrm>
-            <a:off x="7841875" y="5338477"/>
+            <a:off x="1432112" y="4639233"/>
             <a:ext cx="2702859" cy="699247"/>
           </a:xfrm>
           <a:prstGeom prst="roundRect">
@@ -9014,7 +11007,7 @@
         </p:nvSpPr>
         <p:spPr>
           <a:xfrm>
-            <a:off x="5090832" y="5338477"/>
+            <a:off x="1885950" y="3939985"/>
             <a:ext cx="1795182" cy="699247"/>
           </a:xfrm>
           <a:prstGeom prst="roundRect">
@@ -9063,7 +11056,7 @@
         </p:nvSpPr>
         <p:spPr>
           <a:xfrm>
-            <a:off x="5470711" y="4639225"/>
+            <a:off x="2265830" y="3240737"/>
             <a:ext cx="1035423" cy="699247"/>
           </a:xfrm>
           <a:prstGeom prst="roundRect">
@@ -9282,7 +11275,7 @@
     </p:spTree>
     <p:extLst>
       <p:ext uri="{BB962C8B-B14F-4D97-AF65-F5344CB8AC3E}">
-        <p14:creationId xmlns:p14="http://schemas.microsoft.com/office/powerpoint/2010/main" val="65277206"/>
+        <p14:creationId xmlns:p14="http://schemas.microsoft.com/office/powerpoint/2010/main" val="1812866030"/>
       </p:ext>
     </p:extLst>
   </p:cSld>
@@ -9461,7 +11454,7 @@
         </p:nvSpPr>
         <p:spPr>
           <a:xfrm>
-            <a:off x="7841875" y="5338477"/>
+            <a:off x="1432112" y="4639233"/>
             <a:ext cx="2702859" cy="699247"/>
           </a:xfrm>
           <a:prstGeom prst="roundRect">
@@ -9510,7 +11503,7 @@
         </p:nvSpPr>
         <p:spPr>
           <a:xfrm>
-            <a:off x="5090832" y="5338477"/>
+            <a:off x="1885950" y="3939985"/>
             <a:ext cx="1795182" cy="699247"/>
           </a:xfrm>
           <a:prstGeom prst="roundRect">
@@ -9559,7 +11552,7 @@
         </p:nvSpPr>
         <p:spPr>
           <a:xfrm>
-            <a:off x="2264427" y="4639229"/>
+            <a:off x="8675593" y="5338478"/>
             <a:ext cx="1035423" cy="699247"/>
           </a:xfrm>
           <a:prstGeom prst="roundRect">
@@ -9778,7 +11771,7 @@
     </p:spTree>
     <p:extLst>
       <p:ext uri="{BB962C8B-B14F-4D97-AF65-F5344CB8AC3E}">
-        <p14:creationId xmlns:p14="http://schemas.microsoft.com/office/powerpoint/2010/main" val="1501483805"/>
+        <p14:creationId xmlns:p14="http://schemas.microsoft.com/office/powerpoint/2010/main" val="1469577587"/>
       </p:ext>
     </p:extLst>
   </p:cSld>
@@ -9957,7 +11950,7 @@
         </p:nvSpPr>
         <p:spPr>
           <a:xfrm>
-            <a:off x="7841875" y="5338477"/>
+            <a:off x="1432112" y="4639233"/>
             <a:ext cx="2702859" cy="699247"/>
           </a:xfrm>
           <a:prstGeom prst="roundRect">
@@ -10006,7 +11999,7 @@
         </p:nvSpPr>
         <p:spPr>
           <a:xfrm>
-            <a:off x="8295713" y="4639229"/>
+            <a:off x="5090832" y="5338477"/>
             <a:ext cx="1795182" cy="699247"/>
           </a:xfrm>
           <a:prstGeom prst="roundRect">
@@ -10055,7 +12048,7 @@
         </p:nvSpPr>
         <p:spPr>
           <a:xfrm>
-            <a:off x="2264427" y="4639229"/>
+            <a:off x="8675593" y="5338478"/>
             <a:ext cx="1035423" cy="699247"/>
           </a:xfrm>
           <a:prstGeom prst="roundRect">
@@ -10274,7 +12267,7 @@
     </p:spTree>
     <p:extLst>
       <p:ext uri="{BB962C8B-B14F-4D97-AF65-F5344CB8AC3E}">
-        <p14:creationId xmlns:p14="http://schemas.microsoft.com/office/powerpoint/2010/main" val="662792459"/>
+        <p14:creationId xmlns:p14="http://schemas.microsoft.com/office/powerpoint/2010/main" val="2156573559"/>
       </p:ext>
     </p:extLst>
   </p:cSld>
@@ -10453,7 +12446,7 @@
         </p:nvSpPr>
         <p:spPr>
           <a:xfrm>
-            <a:off x="7841875" y="5338477"/>
+            <a:off x="1432112" y="4639233"/>
             <a:ext cx="2702859" cy="699247"/>
           </a:xfrm>
           <a:prstGeom prst="roundRect">
@@ -10502,7 +12495,7 @@
         </p:nvSpPr>
         <p:spPr>
           <a:xfrm>
-            <a:off x="8295713" y="4639229"/>
+            <a:off x="5090832" y="5338477"/>
             <a:ext cx="1795182" cy="699247"/>
           </a:xfrm>
           <a:prstGeom prst="roundRect">
@@ -10551,7 +12544,7 @@
         </p:nvSpPr>
         <p:spPr>
           <a:xfrm>
-            <a:off x="8675592" y="3939978"/>
+            <a:off x="5470711" y="4639225"/>
             <a:ext cx="1035423" cy="699247"/>
           </a:xfrm>
           <a:prstGeom prst="roundRect">
@@ -10770,7 +12763,7 @@
     </p:spTree>
     <p:extLst>
       <p:ext uri="{BB962C8B-B14F-4D97-AF65-F5344CB8AC3E}">
-        <p14:creationId xmlns:p14="http://schemas.microsoft.com/office/powerpoint/2010/main" val="3560466538"/>
+        <p14:creationId xmlns:p14="http://schemas.microsoft.com/office/powerpoint/2010/main" val="4116680907"/>
       </p:ext>
     </p:extLst>
   </p:cSld>
@@ -10998,7 +12991,7 @@
         </p:nvSpPr>
         <p:spPr>
           <a:xfrm>
-            <a:off x="8295713" y="4639229"/>
+            <a:off x="5090832" y="5338477"/>
             <a:ext cx="1795182" cy="699247"/>
           </a:xfrm>
           <a:prstGeom prst="roundRect">
@@ -11047,7 +13040,7 @@
         </p:nvSpPr>
         <p:spPr>
           <a:xfrm>
-            <a:off x="8675592" y="3939978"/>
+            <a:off x="5470711" y="4639225"/>
             <a:ext cx="1035423" cy="699247"/>
           </a:xfrm>
           <a:prstGeom prst="roundRect">
@@ -11228,7 +13221,7 @@
         </p:nvSpPr>
         <p:spPr>
           <a:xfrm>
-            <a:off x="4200104" y="5338476"/>
+            <a:off x="994662" y="5338479"/>
             <a:ext cx="3574955" cy="699247"/>
           </a:xfrm>
           <a:prstGeom prst="roundRect">
@@ -11266,7 +13259,7 @@
     </p:spTree>
     <p:extLst>
       <p:ext uri="{BB962C8B-B14F-4D97-AF65-F5344CB8AC3E}">
-        <p14:creationId xmlns:p14="http://schemas.microsoft.com/office/powerpoint/2010/main" val="1292937648"/>
+        <p14:creationId xmlns:p14="http://schemas.microsoft.com/office/powerpoint/2010/main" val="65277206"/>
       </p:ext>
     </p:extLst>
   </p:cSld>
